--- a/lectures/07.adapter/adapter.pptx
+++ b/lectures/07.adapter/adapter.pptx
@@ -5,7 +5,7 @@
     <p:sldMasterId id="2147483672" r:id="rId1"/>
   </p:sldMasterIdLst>
   <p:notesMasterIdLst>
-    <p:notesMasterId r:id="rId27"/>
+    <p:notesMasterId r:id="rId28"/>
   </p:notesMasterIdLst>
   <p:sldIdLst>
     <p:sldId id="256" r:id="rId2"/>
@@ -33,11 +33,12 @@
     <p:sldId id="261" r:id="rId24"/>
     <p:sldId id="271" r:id="rId25"/>
     <p:sldId id="272" r:id="rId26"/>
+    <p:sldId id="282" r:id="rId27"/>
   </p:sldIdLst>
   <p:sldSz cx="9144000" cy="6858000" type="screen4x3"/>
   <p:notesSz cx="6858000" cy="9144000"/>
   <p:custDataLst>
-    <p:tags r:id="rId28"/>
+    <p:tags r:id="rId29"/>
   </p:custDataLst>
   <p:defaultTextStyle>
     <a:defPPr>
@@ -235,7 +236,7 @@
           <a:p>
             <a:fld id="{2F3DCB6D-0B48-4A3D-B663-06C3F903A9D3}" type="datetimeFigureOut">
               <a:rPr lang="ru-RU" smtClean="0"/>
-              <a:t>13.07.2016</a:t>
+              <a:t>08.10.2020</a:t>
             </a:fld>
             <a:endParaRPr lang="ru-RU"/>
           </a:p>
@@ -916,7 +917,7 @@
           <a:p>
             <a:fld id="{2590F9C9-AB92-4E86-B698-DEC9BF4350FF}" type="datetimeFigureOut">
               <a:rPr lang="ru-RU" smtClean="0"/>
-              <a:t>13.07.2016</a:t>
+              <a:t>08.10.2020</a:t>
             </a:fld>
             <a:endParaRPr lang="ru-RU"/>
           </a:p>
@@ -1133,7 +1134,7 @@
           <a:p>
             <a:fld id="{2590F9C9-AB92-4E86-B698-DEC9BF4350FF}" type="datetimeFigureOut">
               <a:rPr lang="ru-RU" smtClean="0"/>
-              <a:t>13.07.2016</a:t>
+              <a:t>08.10.2020</a:t>
             </a:fld>
             <a:endParaRPr lang="ru-RU"/>
           </a:p>
@@ -1405,7 +1406,7 @@
           <a:p>
             <a:fld id="{2590F9C9-AB92-4E86-B698-DEC9BF4350FF}" type="datetimeFigureOut">
               <a:rPr lang="ru-RU" smtClean="0"/>
-              <a:t>13.07.2016</a:t>
+              <a:t>08.10.2020</a:t>
             </a:fld>
             <a:endParaRPr lang="ru-RU"/>
           </a:p>
@@ -1580,7 +1581,7 @@
           <a:p>
             <a:fld id="{2590F9C9-AB92-4E86-B698-DEC9BF4350FF}" type="datetimeFigureOut">
               <a:rPr lang="ru-RU" smtClean="0"/>
-              <a:t>13.07.2016</a:t>
+              <a:t>08.10.2020</a:t>
             </a:fld>
             <a:endParaRPr lang="ru-RU"/>
           </a:p>
@@ -1934,7 +1935,7 @@
           <a:p>
             <a:fld id="{2590F9C9-AB92-4E86-B698-DEC9BF4350FF}" type="datetimeFigureOut">
               <a:rPr lang="ru-RU" smtClean="0"/>
-              <a:t>13.07.2016</a:t>
+              <a:t>08.10.2020</a:t>
             </a:fld>
             <a:endParaRPr lang="ru-RU"/>
           </a:p>
@@ -2219,7 +2220,7 @@
           <a:p>
             <a:fld id="{2590F9C9-AB92-4E86-B698-DEC9BF4350FF}" type="datetimeFigureOut">
               <a:rPr lang="ru-RU" smtClean="0"/>
-              <a:t>13.07.2016</a:t>
+              <a:t>08.10.2020</a:t>
             </a:fld>
             <a:endParaRPr lang="ru-RU"/>
           </a:p>
@@ -2641,7 +2642,7 @@
           <a:p>
             <a:fld id="{2590F9C9-AB92-4E86-B698-DEC9BF4350FF}" type="datetimeFigureOut">
               <a:rPr lang="ru-RU" smtClean="0"/>
-              <a:t>13.07.2016</a:t>
+              <a:t>08.10.2020</a:t>
             </a:fld>
             <a:endParaRPr lang="ru-RU"/>
           </a:p>
@@ -2754,7 +2755,7 @@
           <a:p>
             <a:fld id="{2590F9C9-AB92-4E86-B698-DEC9BF4350FF}" type="datetimeFigureOut">
               <a:rPr lang="ru-RU" smtClean="0"/>
-              <a:t>13.07.2016</a:t>
+              <a:t>08.10.2020</a:t>
             </a:fld>
             <a:endParaRPr lang="ru-RU"/>
           </a:p>
@@ -2844,7 +2845,7 @@
           <a:p>
             <a:fld id="{2590F9C9-AB92-4E86-B698-DEC9BF4350FF}" type="datetimeFigureOut">
               <a:rPr lang="ru-RU" smtClean="0"/>
-              <a:t>13.07.2016</a:t>
+              <a:t>08.10.2020</a:t>
             </a:fld>
             <a:endParaRPr lang="ru-RU"/>
           </a:p>
@@ -3122,7 +3123,7 @@
           <a:p>
             <a:fld id="{2590F9C9-AB92-4E86-B698-DEC9BF4350FF}" type="datetimeFigureOut">
               <a:rPr lang="ru-RU" smtClean="0"/>
-              <a:t>13.07.2016</a:t>
+              <a:t>08.10.2020</a:t>
             </a:fld>
             <a:endParaRPr lang="ru-RU"/>
           </a:p>
@@ -3484,7 +3485,7 @@
           <a:p>
             <a:fld id="{2590F9C9-AB92-4E86-B698-DEC9BF4350FF}" type="datetimeFigureOut">
               <a:rPr lang="ru-RU" smtClean="0"/>
-              <a:t>13.07.2016</a:t>
+              <a:t>08.10.2020</a:t>
             </a:fld>
             <a:endParaRPr lang="ru-RU"/>
           </a:p>
@@ -3909,7 +3910,7 @@
           <a:p>
             <a:fld id="{2590F9C9-AB92-4E86-B698-DEC9BF4350FF}" type="datetimeFigureOut">
               <a:rPr lang="ru-RU" smtClean="0"/>
-              <a:t>13.07.2016</a:t>
+              <a:t>08.10.2020</a:t>
             </a:fld>
             <a:endParaRPr lang="ru-RU"/>
           </a:p>
@@ -4367,6 +4368,13 @@
   <p:clrMapOvr>
     <a:masterClrMapping/>
   </p:clrMapOvr>
+  <p:timing>
+    <p:tnLst>
+      <p:par>
+        <p:cTn id="1" dur="indefinite" restart="never" nodeType="tmRoot"/>
+      </p:par>
+    </p:tnLst>
+  </p:timing>
 </p:sld>
 </file>
 
@@ -4454,6 +4462,13 @@
   <p:clrMapOvr>
     <a:masterClrMapping/>
   </p:clrMapOvr>
+  <p:timing>
+    <p:tnLst>
+      <p:par>
+        <p:cTn id="1" dur="indefinite" restart="never" nodeType="tmRoot"/>
+      </p:par>
+    </p:tnLst>
+  </p:timing>
 </p:sld>
 </file>
 
@@ -4996,6 +5011,344 @@
   <p:clrMapOvr>
     <a:masterClrMapping/>
   </p:clrMapOvr>
+  <p:timing>
+    <p:tnLst>
+      <p:par>
+        <p:cTn id="1" dur="indefinite" restart="never" nodeType="tmRoot">
+          <p:childTnLst>
+            <p:seq concurrent="1" nextAc="seek">
+              <p:cTn id="2" dur="indefinite" nodeType="mainSeq">
+                <p:childTnLst>
+                  <p:par>
+                    <p:cTn id="3" fill="hold">
+                      <p:stCondLst>
+                        <p:cond delay="indefinite"/>
+                      </p:stCondLst>
+                      <p:childTnLst>
+                        <p:par>
+                          <p:cTn id="4" fill="hold">
+                            <p:stCondLst>
+                              <p:cond delay="0"/>
+                            </p:stCondLst>
+                            <p:childTnLst>
+                              <p:par>
+                                <p:cTn id="5" presetID="10" presetClass="entr" presetSubtype="0" fill="hold" grpId="0" nodeType="clickEffect">
+                                  <p:stCondLst>
+                                    <p:cond delay="0"/>
+                                  </p:stCondLst>
+                                  <p:childTnLst>
+                                    <p:set>
+                                      <p:cBhvr>
+                                        <p:cTn id="6" dur="1" fill="hold">
+                                          <p:stCondLst>
+                                            <p:cond delay="0"/>
+                                          </p:stCondLst>
+                                        </p:cTn>
+                                        <p:tgtEl>
+                                          <p:spTgt spid="13"/>
+                                        </p:tgtEl>
+                                        <p:attrNameLst>
+                                          <p:attrName>style.visibility</p:attrName>
+                                        </p:attrNameLst>
+                                      </p:cBhvr>
+                                      <p:to>
+                                        <p:strVal val="visible"/>
+                                      </p:to>
+                                    </p:set>
+                                    <p:animEffect transition="in" filter="fade">
+                                      <p:cBhvr>
+                                        <p:cTn id="7" dur="500"/>
+                                        <p:tgtEl>
+                                          <p:spTgt spid="13"/>
+                                        </p:tgtEl>
+                                      </p:cBhvr>
+                                    </p:animEffect>
+                                  </p:childTnLst>
+                                </p:cTn>
+                              </p:par>
+                              <p:par>
+                                <p:cTn id="8" presetID="10" presetClass="entr" presetSubtype="0" fill="hold" grpId="0" nodeType="withEffect">
+                                  <p:stCondLst>
+                                    <p:cond delay="0"/>
+                                  </p:stCondLst>
+                                  <p:childTnLst>
+                                    <p:set>
+                                      <p:cBhvr>
+                                        <p:cTn id="9" dur="1" fill="hold">
+                                          <p:stCondLst>
+                                            <p:cond delay="0"/>
+                                          </p:stCondLst>
+                                        </p:cTn>
+                                        <p:tgtEl>
+                                          <p:spTgt spid="9"/>
+                                        </p:tgtEl>
+                                        <p:attrNameLst>
+                                          <p:attrName>style.visibility</p:attrName>
+                                        </p:attrNameLst>
+                                      </p:cBhvr>
+                                      <p:to>
+                                        <p:strVal val="visible"/>
+                                      </p:to>
+                                    </p:set>
+                                    <p:animEffect transition="in" filter="fade">
+                                      <p:cBhvr>
+                                        <p:cTn id="10" dur="500"/>
+                                        <p:tgtEl>
+                                          <p:spTgt spid="9"/>
+                                        </p:tgtEl>
+                                      </p:cBhvr>
+                                    </p:animEffect>
+                                  </p:childTnLst>
+                                </p:cTn>
+                              </p:par>
+                              <p:par>
+                                <p:cTn id="11" presetID="10" presetClass="entr" presetSubtype="0" fill="hold" grpId="0" nodeType="withEffect">
+                                  <p:stCondLst>
+                                    <p:cond delay="0"/>
+                                  </p:stCondLst>
+                                  <p:childTnLst>
+                                    <p:set>
+                                      <p:cBhvr>
+                                        <p:cTn id="12" dur="1" fill="hold">
+                                          <p:stCondLst>
+                                            <p:cond delay="0"/>
+                                          </p:stCondLst>
+                                        </p:cTn>
+                                        <p:tgtEl>
+                                          <p:spTgt spid="14"/>
+                                        </p:tgtEl>
+                                        <p:attrNameLst>
+                                          <p:attrName>style.visibility</p:attrName>
+                                        </p:attrNameLst>
+                                      </p:cBhvr>
+                                      <p:to>
+                                        <p:strVal val="visible"/>
+                                      </p:to>
+                                    </p:set>
+                                    <p:animEffect transition="in" filter="fade">
+                                      <p:cBhvr>
+                                        <p:cTn id="13" dur="500"/>
+                                        <p:tgtEl>
+                                          <p:spTgt spid="14"/>
+                                        </p:tgtEl>
+                                      </p:cBhvr>
+                                    </p:animEffect>
+                                  </p:childTnLst>
+                                </p:cTn>
+                              </p:par>
+                            </p:childTnLst>
+                          </p:cTn>
+                        </p:par>
+                      </p:childTnLst>
+                    </p:cTn>
+                  </p:par>
+                  <p:par>
+                    <p:cTn id="14" fill="hold">
+                      <p:stCondLst>
+                        <p:cond delay="indefinite"/>
+                      </p:stCondLst>
+                      <p:childTnLst>
+                        <p:par>
+                          <p:cTn id="15" fill="hold">
+                            <p:stCondLst>
+                              <p:cond delay="0"/>
+                            </p:stCondLst>
+                            <p:childTnLst>
+                              <p:par>
+                                <p:cTn id="16" presetID="10" presetClass="entr" presetSubtype="0" fill="hold" grpId="0" nodeType="clickEffect">
+                                  <p:stCondLst>
+                                    <p:cond delay="0"/>
+                                  </p:stCondLst>
+                                  <p:childTnLst>
+                                    <p:set>
+                                      <p:cBhvr>
+                                        <p:cTn id="17" dur="1" fill="hold">
+                                          <p:stCondLst>
+                                            <p:cond delay="0"/>
+                                          </p:stCondLst>
+                                        </p:cTn>
+                                        <p:tgtEl>
+                                          <p:spTgt spid="10"/>
+                                        </p:tgtEl>
+                                        <p:attrNameLst>
+                                          <p:attrName>style.visibility</p:attrName>
+                                        </p:attrNameLst>
+                                      </p:cBhvr>
+                                      <p:to>
+                                        <p:strVal val="visible"/>
+                                      </p:to>
+                                    </p:set>
+                                    <p:animEffect transition="in" filter="fade">
+                                      <p:cBhvr>
+                                        <p:cTn id="18" dur="500"/>
+                                        <p:tgtEl>
+                                          <p:spTgt spid="10"/>
+                                        </p:tgtEl>
+                                      </p:cBhvr>
+                                    </p:animEffect>
+                                  </p:childTnLst>
+                                </p:cTn>
+                              </p:par>
+                              <p:par>
+                                <p:cTn id="19" presetID="10" presetClass="entr" presetSubtype="0" fill="hold" grpId="0" nodeType="withEffect">
+                                  <p:stCondLst>
+                                    <p:cond delay="0"/>
+                                  </p:stCondLst>
+                                  <p:childTnLst>
+                                    <p:set>
+                                      <p:cBhvr>
+                                        <p:cTn id="20" dur="1" fill="hold">
+                                          <p:stCondLst>
+                                            <p:cond delay="0"/>
+                                          </p:stCondLst>
+                                        </p:cTn>
+                                        <p:tgtEl>
+                                          <p:spTgt spid="15"/>
+                                        </p:tgtEl>
+                                        <p:attrNameLst>
+                                          <p:attrName>style.visibility</p:attrName>
+                                        </p:attrNameLst>
+                                      </p:cBhvr>
+                                      <p:to>
+                                        <p:strVal val="visible"/>
+                                      </p:to>
+                                    </p:set>
+                                    <p:animEffect transition="in" filter="fade">
+                                      <p:cBhvr>
+                                        <p:cTn id="21" dur="500"/>
+                                        <p:tgtEl>
+                                          <p:spTgt spid="15"/>
+                                        </p:tgtEl>
+                                      </p:cBhvr>
+                                    </p:animEffect>
+                                  </p:childTnLst>
+                                </p:cTn>
+                              </p:par>
+                            </p:childTnLst>
+                          </p:cTn>
+                        </p:par>
+                      </p:childTnLst>
+                    </p:cTn>
+                  </p:par>
+                  <p:par>
+                    <p:cTn id="22" fill="hold">
+                      <p:stCondLst>
+                        <p:cond delay="indefinite"/>
+                      </p:stCondLst>
+                      <p:childTnLst>
+                        <p:par>
+                          <p:cTn id="23" fill="hold">
+                            <p:stCondLst>
+                              <p:cond delay="0"/>
+                            </p:stCondLst>
+                            <p:childTnLst>
+                              <p:par>
+                                <p:cTn id="24" presetID="10" presetClass="entr" presetSubtype="0" fill="hold" grpId="0" nodeType="clickEffect">
+                                  <p:stCondLst>
+                                    <p:cond delay="0"/>
+                                  </p:stCondLst>
+                                  <p:childTnLst>
+                                    <p:set>
+                                      <p:cBhvr>
+                                        <p:cTn id="25" dur="1" fill="hold">
+                                          <p:stCondLst>
+                                            <p:cond delay="0"/>
+                                          </p:stCondLst>
+                                        </p:cTn>
+                                        <p:tgtEl>
+                                          <p:spTgt spid="11"/>
+                                        </p:tgtEl>
+                                        <p:attrNameLst>
+                                          <p:attrName>style.visibility</p:attrName>
+                                        </p:attrNameLst>
+                                      </p:cBhvr>
+                                      <p:to>
+                                        <p:strVal val="visible"/>
+                                      </p:to>
+                                    </p:set>
+                                    <p:animEffect transition="in" filter="fade">
+                                      <p:cBhvr>
+                                        <p:cTn id="26" dur="500"/>
+                                        <p:tgtEl>
+                                          <p:spTgt spid="11"/>
+                                        </p:tgtEl>
+                                      </p:cBhvr>
+                                    </p:animEffect>
+                                  </p:childTnLst>
+                                </p:cTn>
+                              </p:par>
+                              <p:par>
+                                <p:cTn id="27" presetID="10" presetClass="entr" presetSubtype="0" fill="hold" grpId="0" nodeType="withEffect">
+                                  <p:stCondLst>
+                                    <p:cond delay="0"/>
+                                  </p:stCondLst>
+                                  <p:childTnLst>
+                                    <p:set>
+                                      <p:cBhvr>
+                                        <p:cTn id="28" dur="1" fill="hold">
+                                          <p:stCondLst>
+                                            <p:cond delay="0"/>
+                                          </p:stCondLst>
+                                        </p:cTn>
+                                        <p:tgtEl>
+                                          <p:spTgt spid="16"/>
+                                        </p:tgtEl>
+                                        <p:attrNameLst>
+                                          <p:attrName>style.visibility</p:attrName>
+                                        </p:attrNameLst>
+                                      </p:cBhvr>
+                                      <p:to>
+                                        <p:strVal val="visible"/>
+                                      </p:to>
+                                    </p:set>
+                                    <p:animEffect transition="in" filter="fade">
+                                      <p:cBhvr>
+                                        <p:cTn id="29" dur="500"/>
+                                        <p:tgtEl>
+                                          <p:spTgt spid="16"/>
+                                        </p:tgtEl>
+                                      </p:cBhvr>
+                                    </p:animEffect>
+                                  </p:childTnLst>
+                                </p:cTn>
+                              </p:par>
+                            </p:childTnLst>
+                          </p:cTn>
+                        </p:par>
+                      </p:childTnLst>
+                    </p:cTn>
+                  </p:par>
+                </p:childTnLst>
+              </p:cTn>
+              <p:prevCondLst>
+                <p:cond evt="onPrev" delay="0">
+                  <p:tgtEl>
+                    <p:sldTgt/>
+                  </p:tgtEl>
+                </p:cond>
+              </p:prevCondLst>
+              <p:nextCondLst>
+                <p:cond evt="onNext" delay="0">
+                  <p:tgtEl>
+                    <p:sldTgt/>
+                  </p:tgtEl>
+                </p:cond>
+              </p:nextCondLst>
+            </p:seq>
+          </p:childTnLst>
+        </p:cTn>
+      </p:par>
+    </p:tnLst>
+    <p:bldLst>
+      <p:bldP spid="9" grpId="0"/>
+      <p:bldP spid="10" grpId="0"/>
+      <p:bldP spid="11" grpId="0"/>
+      <p:bldP spid="13" grpId="0" animBg="1"/>
+      <p:bldP spid="14" grpId="0" animBg="1"/>
+      <p:bldP spid="15" grpId="0" animBg="1"/>
+      <p:bldP spid="16" grpId="0" animBg="1"/>
+    </p:bldLst>
+  </p:timing>
 </p:sld>
 </file>
 
@@ -5144,6 +5497,333 @@
   <p:clrMapOvr>
     <a:masterClrMapping/>
   </p:clrMapOvr>
+  <p:timing>
+    <p:tnLst>
+      <p:par>
+        <p:cTn id="1" dur="indefinite" restart="never" nodeType="tmRoot">
+          <p:childTnLst>
+            <p:seq concurrent="1" nextAc="seek">
+              <p:cTn id="2" dur="indefinite" nodeType="mainSeq">
+                <p:childTnLst>
+                  <p:par>
+                    <p:cTn id="3" fill="hold">
+                      <p:stCondLst>
+                        <p:cond delay="indefinite"/>
+                      </p:stCondLst>
+                      <p:childTnLst>
+                        <p:par>
+                          <p:cTn id="4" fill="hold">
+                            <p:stCondLst>
+                              <p:cond delay="0"/>
+                            </p:stCondLst>
+                            <p:childTnLst>
+                              <p:par>
+                                <p:cTn id="5" presetID="10" presetClass="entr" presetSubtype="0" fill="hold" grpId="0" nodeType="clickEffect">
+                                  <p:stCondLst>
+                                    <p:cond delay="0"/>
+                                  </p:stCondLst>
+                                  <p:childTnLst>
+                                    <p:set>
+                                      <p:cBhvr>
+                                        <p:cTn id="6" dur="1" fill="hold">
+                                          <p:stCondLst>
+                                            <p:cond delay="0"/>
+                                          </p:stCondLst>
+                                        </p:cTn>
+                                        <p:tgtEl>
+                                          <p:spTgt spid="3">
+                                            <p:txEl>
+                                              <p:pRg st="0" end="0"/>
+                                            </p:txEl>
+                                          </p:spTgt>
+                                        </p:tgtEl>
+                                        <p:attrNameLst>
+                                          <p:attrName>style.visibility</p:attrName>
+                                        </p:attrNameLst>
+                                      </p:cBhvr>
+                                      <p:to>
+                                        <p:strVal val="visible"/>
+                                      </p:to>
+                                    </p:set>
+                                    <p:animEffect transition="in" filter="fade">
+                                      <p:cBhvr>
+                                        <p:cTn id="7" dur="500"/>
+                                        <p:tgtEl>
+                                          <p:spTgt spid="3">
+                                            <p:txEl>
+                                              <p:pRg st="0" end="0"/>
+                                            </p:txEl>
+                                          </p:spTgt>
+                                        </p:tgtEl>
+                                      </p:cBhvr>
+                                    </p:animEffect>
+                                  </p:childTnLst>
+                                </p:cTn>
+                              </p:par>
+                              <p:par>
+                                <p:cTn id="8" presetID="10" presetClass="entr" presetSubtype="0" fill="hold" grpId="0" nodeType="withEffect">
+                                  <p:stCondLst>
+                                    <p:cond delay="0"/>
+                                  </p:stCondLst>
+                                  <p:childTnLst>
+                                    <p:set>
+                                      <p:cBhvr>
+                                        <p:cTn id="9" dur="1" fill="hold">
+                                          <p:stCondLst>
+                                            <p:cond delay="0"/>
+                                          </p:stCondLst>
+                                        </p:cTn>
+                                        <p:tgtEl>
+                                          <p:spTgt spid="3">
+                                            <p:txEl>
+                                              <p:pRg st="1" end="1"/>
+                                            </p:txEl>
+                                          </p:spTgt>
+                                        </p:tgtEl>
+                                        <p:attrNameLst>
+                                          <p:attrName>style.visibility</p:attrName>
+                                        </p:attrNameLst>
+                                      </p:cBhvr>
+                                      <p:to>
+                                        <p:strVal val="visible"/>
+                                      </p:to>
+                                    </p:set>
+                                    <p:animEffect transition="in" filter="fade">
+                                      <p:cBhvr>
+                                        <p:cTn id="10" dur="500"/>
+                                        <p:tgtEl>
+                                          <p:spTgt spid="3">
+                                            <p:txEl>
+                                              <p:pRg st="1" end="1"/>
+                                            </p:txEl>
+                                          </p:spTgt>
+                                        </p:tgtEl>
+                                      </p:cBhvr>
+                                    </p:animEffect>
+                                  </p:childTnLst>
+                                </p:cTn>
+                              </p:par>
+                              <p:par>
+                                <p:cTn id="11" presetID="10" presetClass="entr" presetSubtype="0" fill="hold" grpId="0" nodeType="withEffect">
+                                  <p:stCondLst>
+                                    <p:cond delay="0"/>
+                                  </p:stCondLst>
+                                  <p:childTnLst>
+                                    <p:set>
+                                      <p:cBhvr>
+                                        <p:cTn id="12" dur="1" fill="hold">
+                                          <p:stCondLst>
+                                            <p:cond delay="0"/>
+                                          </p:stCondLst>
+                                        </p:cTn>
+                                        <p:tgtEl>
+                                          <p:spTgt spid="3">
+                                            <p:txEl>
+                                              <p:pRg st="2" end="2"/>
+                                            </p:txEl>
+                                          </p:spTgt>
+                                        </p:tgtEl>
+                                        <p:attrNameLst>
+                                          <p:attrName>style.visibility</p:attrName>
+                                        </p:attrNameLst>
+                                      </p:cBhvr>
+                                      <p:to>
+                                        <p:strVal val="visible"/>
+                                      </p:to>
+                                    </p:set>
+                                    <p:animEffect transition="in" filter="fade">
+                                      <p:cBhvr>
+                                        <p:cTn id="13" dur="500"/>
+                                        <p:tgtEl>
+                                          <p:spTgt spid="3">
+                                            <p:txEl>
+                                              <p:pRg st="2" end="2"/>
+                                            </p:txEl>
+                                          </p:spTgt>
+                                        </p:tgtEl>
+                                      </p:cBhvr>
+                                    </p:animEffect>
+                                  </p:childTnLst>
+                                </p:cTn>
+                              </p:par>
+                            </p:childTnLst>
+                          </p:cTn>
+                        </p:par>
+                      </p:childTnLst>
+                    </p:cTn>
+                  </p:par>
+                  <p:par>
+                    <p:cTn id="14" fill="hold">
+                      <p:stCondLst>
+                        <p:cond delay="indefinite"/>
+                      </p:stCondLst>
+                      <p:childTnLst>
+                        <p:par>
+                          <p:cTn id="15" fill="hold">
+                            <p:stCondLst>
+                              <p:cond delay="0"/>
+                            </p:stCondLst>
+                            <p:childTnLst>
+                              <p:par>
+                                <p:cTn id="16" presetID="10" presetClass="entr" presetSubtype="0" fill="hold" grpId="0" nodeType="clickEffect">
+                                  <p:stCondLst>
+                                    <p:cond delay="0"/>
+                                  </p:stCondLst>
+                                  <p:childTnLst>
+                                    <p:set>
+                                      <p:cBhvr>
+                                        <p:cTn id="17" dur="1" fill="hold">
+                                          <p:stCondLst>
+                                            <p:cond delay="0"/>
+                                          </p:stCondLst>
+                                        </p:cTn>
+                                        <p:tgtEl>
+                                          <p:spTgt spid="3">
+                                            <p:txEl>
+                                              <p:pRg st="3" end="3"/>
+                                            </p:txEl>
+                                          </p:spTgt>
+                                        </p:tgtEl>
+                                        <p:attrNameLst>
+                                          <p:attrName>style.visibility</p:attrName>
+                                        </p:attrNameLst>
+                                      </p:cBhvr>
+                                      <p:to>
+                                        <p:strVal val="visible"/>
+                                      </p:to>
+                                    </p:set>
+                                    <p:animEffect transition="in" filter="fade">
+                                      <p:cBhvr>
+                                        <p:cTn id="18" dur="500"/>
+                                        <p:tgtEl>
+                                          <p:spTgt spid="3">
+                                            <p:txEl>
+                                              <p:pRg st="3" end="3"/>
+                                            </p:txEl>
+                                          </p:spTgt>
+                                        </p:tgtEl>
+                                      </p:cBhvr>
+                                    </p:animEffect>
+                                  </p:childTnLst>
+                                </p:cTn>
+                              </p:par>
+                              <p:par>
+                                <p:cTn id="19" presetID="10" presetClass="entr" presetSubtype="0" fill="hold" grpId="0" nodeType="withEffect">
+                                  <p:stCondLst>
+                                    <p:cond delay="0"/>
+                                  </p:stCondLst>
+                                  <p:childTnLst>
+                                    <p:set>
+                                      <p:cBhvr>
+                                        <p:cTn id="20" dur="1" fill="hold">
+                                          <p:stCondLst>
+                                            <p:cond delay="0"/>
+                                          </p:stCondLst>
+                                        </p:cTn>
+                                        <p:tgtEl>
+                                          <p:spTgt spid="3">
+                                            <p:txEl>
+                                              <p:pRg st="4" end="4"/>
+                                            </p:txEl>
+                                          </p:spTgt>
+                                        </p:tgtEl>
+                                        <p:attrNameLst>
+                                          <p:attrName>style.visibility</p:attrName>
+                                        </p:attrNameLst>
+                                      </p:cBhvr>
+                                      <p:to>
+                                        <p:strVal val="visible"/>
+                                      </p:to>
+                                    </p:set>
+                                    <p:animEffect transition="in" filter="fade">
+                                      <p:cBhvr>
+                                        <p:cTn id="21" dur="500"/>
+                                        <p:tgtEl>
+                                          <p:spTgt spid="3">
+                                            <p:txEl>
+                                              <p:pRg st="4" end="4"/>
+                                            </p:txEl>
+                                          </p:spTgt>
+                                        </p:tgtEl>
+                                      </p:cBhvr>
+                                    </p:animEffect>
+                                  </p:childTnLst>
+                                </p:cTn>
+                              </p:par>
+                              <p:par>
+                                <p:cTn id="22" presetID="10" presetClass="entr" presetSubtype="0" fill="hold" grpId="0" nodeType="withEffect">
+                                  <p:stCondLst>
+                                    <p:cond delay="0"/>
+                                  </p:stCondLst>
+                                  <p:childTnLst>
+                                    <p:set>
+                                      <p:cBhvr>
+                                        <p:cTn id="23" dur="1" fill="hold">
+                                          <p:stCondLst>
+                                            <p:cond delay="0"/>
+                                          </p:stCondLst>
+                                        </p:cTn>
+                                        <p:tgtEl>
+                                          <p:spTgt spid="3">
+                                            <p:txEl>
+                                              <p:pRg st="5" end="5"/>
+                                            </p:txEl>
+                                          </p:spTgt>
+                                        </p:tgtEl>
+                                        <p:attrNameLst>
+                                          <p:attrName>style.visibility</p:attrName>
+                                        </p:attrNameLst>
+                                      </p:cBhvr>
+                                      <p:to>
+                                        <p:strVal val="visible"/>
+                                      </p:to>
+                                    </p:set>
+                                    <p:animEffect transition="in" filter="fade">
+                                      <p:cBhvr>
+                                        <p:cTn id="24" dur="500"/>
+                                        <p:tgtEl>
+                                          <p:spTgt spid="3">
+                                            <p:txEl>
+                                              <p:pRg st="5" end="5"/>
+                                            </p:txEl>
+                                          </p:spTgt>
+                                        </p:tgtEl>
+                                      </p:cBhvr>
+                                    </p:animEffect>
+                                  </p:childTnLst>
+                                </p:cTn>
+                              </p:par>
+                            </p:childTnLst>
+                          </p:cTn>
+                        </p:par>
+                      </p:childTnLst>
+                    </p:cTn>
+                  </p:par>
+                </p:childTnLst>
+              </p:cTn>
+              <p:prevCondLst>
+                <p:cond evt="onPrev" delay="0">
+                  <p:tgtEl>
+                    <p:sldTgt/>
+                  </p:tgtEl>
+                </p:cond>
+              </p:prevCondLst>
+              <p:nextCondLst>
+                <p:cond evt="onNext" delay="0">
+                  <p:tgtEl>
+                    <p:sldTgt/>
+                  </p:tgtEl>
+                </p:cond>
+              </p:nextCondLst>
+            </p:seq>
+          </p:childTnLst>
+        </p:cTn>
+      </p:par>
+    </p:tnLst>
+    <p:bldLst>
+      <p:bldP spid="3" grpId="0" build="p"/>
+    </p:bldLst>
+  </p:timing>
 </p:sld>
 </file>
 
@@ -5359,6 +6039,128 @@
   <p:clrMapOvr>
     <a:masterClrMapping/>
   </p:clrMapOvr>
+  <p:timing>
+    <p:tnLst>
+      <p:par>
+        <p:cTn id="1" dur="indefinite" restart="never" nodeType="tmRoot">
+          <p:childTnLst>
+            <p:seq concurrent="1" nextAc="seek">
+              <p:cTn id="2" dur="indefinite" nodeType="mainSeq">
+                <p:childTnLst>
+                  <p:par>
+                    <p:cTn id="3" fill="hold">
+                      <p:stCondLst>
+                        <p:cond delay="indefinite"/>
+                      </p:stCondLst>
+                      <p:childTnLst>
+                        <p:par>
+                          <p:cTn id="4" fill="hold">
+                            <p:stCondLst>
+                              <p:cond delay="0"/>
+                            </p:stCondLst>
+                            <p:childTnLst>
+                              <p:par>
+                                <p:cTn id="5" presetID="10" presetClass="entr" presetSubtype="0" fill="hold" grpId="0" nodeType="clickEffect">
+                                  <p:stCondLst>
+                                    <p:cond delay="0"/>
+                                  </p:stCondLst>
+                                  <p:childTnLst>
+                                    <p:set>
+                                      <p:cBhvr>
+                                        <p:cTn id="6" dur="1" fill="hold">
+                                          <p:stCondLst>
+                                            <p:cond delay="0"/>
+                                          </p:stCondLst>
+                                        </p:cTn>
+                                        <p:tgtEl>
+                                          <p:spTgt spid="5"/>
+                                        </p:tgtEl>
+                                        <p:attrNameLst>
+                                          <p:attrName>style.visibility</p:attrName>
+                                        </p:attrNameLst>
+                                      </p:cBhvr>
+                                      <p:to>
+                                        <p:strVal val="visible"/>
+                                      </p:to>
+                                    </p:set>
+                                    <p:animEffect transition="in" filter="fade">
+                                      <p:cBhvr>
+                                        <p:cTn id="7" dur="500"/>
+                                        <p:tgtEl>
+                                          <p:spTgt spid="5"/>
+                                        </p:tgtEl>
+                                      </p:cBhvr>
+                                    </p:animEffect>
+                                  </p:childTnLst>
+                                </p:cTn>
+                              </p:par>
+                              <p:par>
+                                <p:cTn id="8" presetID="10" presetClass="entr" presetSubtype="0" fill="hold" grpId="0" nodeType="withEffect">
+                                  <p:stCondLst>
+                                    <p:cond delay="0"/>
+                                  </p:stCondLst>
+                                  <p:childTnLst>
+                                    <p:set>
+                                      <p:cBhvr>
+                                        <p:cTn id="9" dur="1" fill="hold">
+                                          <p:stCondLst>
+                                            <p:cond delay="0"/>
+                                          </p:stCondLst>
+                                        </p:cTn>
+                                        <p:tgtEl>
+                                          <p:spTgt spid="7"/>
+                                        </p:tgtEl>
+                                        <p:attrNameLst>
+                                          <p:attrName>style.visibility</p:attrName>
+                                        </p:attrNameLst>
+                                      </p:cBhvr>
+                                      <p:to>
+                                        <p:strVal val="visible"/>
+                                      </p:to>
+                                    </p:set>
+                                    <p:animEffect transition="in" filter="fade">
+                                      <p:cBhvr>
+                                        <p:cTn id="10" dur="500"/>
+                                        <p:tgtEl>
+                                          <p:spTgt spid="7"/>
+                                        </p:tgtEl>
+                                      </p:cBhvr>
+                                    </p:animEffect>
+                                  </p:childTnLst>
+                                </p:cTn>
+                              </p:par>
+                            </p:childTnLst>
+                          </p:cTn>
+                        </p:par>
+                      </p:childTnLst>
+                    </p:cTn>
+                  </p:par>
+                </p:childTnLst>
+              </p:cTn>
+              <p:prevCondLst>
+                <p:cond evt="onPrev" delay="0">
+                  <p:tgtEl>
+                    <p:sldTgt/>
+                  </p:tgtEl>
+                </p:cond>
+              </p:prevCondLst>
+              <p:nextCondLst>
+                <p:cond evt="onNext" delay="0">
+                  <p:tgtEl>
+                    <p:sldTgt/>
+                  </p:tgtEl>
+                </p:cond>
+              </p:nextCondLst>
+            </p:seq>
+          </p:childTnLst>
+        </p:cTn>
+      </p:par>
+    </p:tnLst>
+    <p:bldLst>
+      <p:bldP spid="5" grpId="0"/>
+      <p:bldP spid="7" grpId="0" animBg="1"/>
+    </p:bldLst>
+  </p:timing>
 </p:sld>
 </file>
 
@@ -5476,6 +6278,376 @@
   <p:clrMapOvr>
     <a:masterClrMapping/>
   </p:clrMapOvr>
+  <p:timing>
+    <p:tnLst>
+      <p:par>
+        <p:cTn id="1" dur="indefinite" restart="never" nodeType="tmRoot">
+          <p:childTnLst>
+            <p:seq concurrent="1" nextAc="seek">
+              <p:cTn id="2" dur="indefinite" nodeType="mainSeq">
+                <p:childTnLst>
+                  <p:par>
+                    <p:cTn id="3" fill="hold">
+                      <p:stCondLst>
+                        <p:cond delay="indefinite"/>
+                      </p:stCondLst>
+                      <p:childTnLst>
+                        <p:par>
+                          <p:cTn id="4" fill="hold">
+                            <p:stCondLst>
+                              <p:cond delay="0"/>
+                            </p:stCondLst>
+                            <p:childTnLst>
+                              <p:par>
+                                <p:cTn id="5" presetID="10" presetClass="entr" presetSubtype="0" fill="hold" grpId="0" nodeType="clickEffect">
+                                  <p:stCondLst>
+                                    <p:cond delay="0"/>
+                                  </p:stCondLst>
+                                  <p:childTnLst>
+                                    <p:set>
+                                      <p:cBhvr>
+                                        <p:cTn id="6" dur="1" fill="hold">
+                                          <p:stCondLst>
+                                            <p:cond delay="0"/>
+                                          </p:stCondLst>
+                                        </p:cTn>
+                                        <p:tgtEl>
+                                          <p:spTgt spid="4">
+                                            <p:txEl>
+                                              <p:pRg st="0" end="0"/>
+                                            </p:txEl>
+                                          </p:spTgt>
+                                        </p:tgtEl>
+                                        <p:attrNameLst>
+                                          <p:attrName>style.visibility</p:attrName>
+                                        </p:attrNameLst>
+                                      </p:cBhvr>
+                                      <p:to>
+                                        <p:strVal val="visible"/>
+                                      </p:to>
+                                    </p:set>
+                                    <p:animEffect transition="in" filter="fade">
+                                      <p:cBhvr>
+                                        <p:cTn id="7" dur="500"/>
+                                        <p:tgtEl>
+                                          <p:spTgt spid="4">
+                                            <p:txEl>
+                                              <p:pRg st="0" end="0"/>
+                                            </p:txEl>
+                                          </p:spTgt>
+                                        </p:tgtEl>
+                                      </p:cBhvr>
+                                    </p:animEffect>
+                                  </p:childTnLst>
+                                </p:cTn>
+                              </p:par>
+                              <p:par>
+                                <p:cTn id="8" presetID="10" presetClass="entr" presetSubtype="0" fill="hold" grpId="0" nodeType="withEffect">
+                                  <p:stCondLst>
+                                    <p:cond delay="0"/>
+                                  </p:stCondLst>
+                                  <p:childTnLst>
+                                    <p:set>
+                                      <p:cBhvr>
+                                        <p:cTn id="9" dur="1" fill="hold">
+                                          <p:stCondLst>
+                                            <p:cond delay="0"/>
+                                          </p:stCondLst>
+                                        </p:cTn>
+                                        <p:tgtEl>
+                                          <p:spTgt spid="4">
+                                            <p:txEl>
+                                              <p:pRg st="1" end="1"/>
+                                            </p:txEl>
+                                          </p:spTgt>
+                                        </p:tgtEl>
+                                        <p:attrNameLst>
+                                          <p:attrName>style.visibility</p:attrName>
+                                        </p:attrNameLst>
+                                      </p:cBhvr>
+                                      <p:to>
+                                        <p:strVal val="visible"/>
+                                      </p:to>
+                                    </p:set>
+                                    <p:animEffect transition="in" filter="fade">
+                                      <p:cBhvr>
+                                        <p:cTn id="10" dur="500"/>
+                                        <p:tgtEl>
+                                          <p:spTgt spid="4">
+                                            <p:txEl>
+                                              <p:pRg st="1" end="1"/>
+                                            </p:txEl>
+                                          </p:spTgt>
+                                        </p:tgtEl>
+                                      </p:cBhvr>
+                                    </p:animEffect>
+                                  </p:childTnLst>
+                                </p:cTn>
+                              </p:par>
+                              <p:par>
+                                <p:cTn id="11" presetID="10" presetClass="entr" presetSubtype="0" fill="hold" grpId="0" nodeType="withEffect">
+                                  <p:stCondLst>
+                                    <p:cond delay="0"/>
+                                  </p:stCondLst>
+                                  <p:childTnLst>
+                                    <p:set>
+                                      <p:cBhvr>
+                                        <p:cTn id="12" dur="1" fill="hold">
+                                          <p:stCondLst>
+                                            <p:cond delay="0"/>
+                                          </p:stCondLst>
+                                        </p:cTn>
+                                        <p:tgtEl>
+                                          <p:spTgt spid="4">
+                                            <p:txEl>
+                                              <p:pRg st="2" end="2"/>
+                                            </p:txEl>
+                                          </p:spTgt>
+                                        </p:tgtEl>
+                                        <p:attrNameLst>
+                                          <p:attrName>style.visibility</p:attrName>
+                                        </p:attrNameLst>
+                                      </p:cBhvr>
+                                      <p:to>
+                                        <p:strVal val="visible"/>
+                                      </p:to>
+                                    </p:set>
+                                    <p:animEffect transition="in" filter="fade">
+                                      <p:cBhvr>
+                                        <p:cTn id="13" dur="500"/>
+                                        <p:tgtEl>
+                                          <p:spTgt spid="4">
+                                            <p:txEl>
+                                              <p:pRg st="2" end="2"/>
+                                            </p:txEl>
+                                          </p:spTgt>
+                                        </p:tgtEl>
+                                      </p:cBhvr>
+                                    </p:animEffect>
+                                  </p:childTnLst>
+                                </p:cTn>
+                              </p:par>
+                              <p:par>
+                                <p:cTn id="14" presetID="10" presetClass="entr" presetSubtype="0" fill="hold" grpId="0" nodeType="withEffect">
+                                  <p:stCondLst>
+                                    <p:cond delay="0"/>
+                                  </p:stCondLst>
+                                  <p:childTnLst>
+                                    <p:set>
+                                      <p:cBhvr>
+                                        <p:cTn id="15" dur="1" fill="hold">
+                                          <p:stCondLst>
+                                            <p:cond delay="0"/>
+                                          </p:stCondLst>
+                                        </p:cTn>
+                                        <p:tgtEl>
+                                          <p:spTgt spid="4">
+                                            <p:txEl>
+                                              <p:pRg st="3" end="3"/>
+                                            </p:txEl>
+                                          </p:spTgt>
+                                        </p:tgtEl>
+                                        <p:attrNameLst>
+                                          <p:attrName>style.visibility</p:attrName>
+                                        </p:attrNameLst>
+                                      </p:cBhvr>
+                                      <p:to>
+                                        <p:strVal val="visible"/>
+                                      </p:to>
+                                    </p:set>
+                                    <p:animEffect transition="in" filter="fade">
+                                      <p:cBhvr>
+                                        <p:cTn id="16" dur="500"/>
+                                        <p:tgtEl>
+                                          <p:spTgt spid="4">
+                                            <p:txEl>
+                                              <p:pRg st="3" end="3"/>
+                                            </p:txEl>
+                                          </p:spTgt>
+                                        </p:tgtEl>
+                                      </p:cBhvr>
+                                    </p:animEffect>
+                                  </p:childTnLst>
+                                </p:cTn>
+                              </p:par>
+                            </p:childTnLst>
+                          </p:cTn>
+                        </p:par>
+                      </p:childTnLst>
+                    </p:cTn>
+                  </p:par>
+                  <p:par>
+                    <p:cTn id="17" fill="hold">
+                      <p:stCondLst>
+                        <p:cond delay="indefinite"/>
+                      </p:stCondLst>
+                      <p:childTnLst>
+                        <p:par>
+                          <p:cTn id="18" fill="hold">
+                            <p:stCondLst>
+                              <p:cond delay="0"/>
+                            </p:stCondLst>
+                            <p:childTnLst>
+                              <p:par>
+                                <p:cTn id="19" presetID="10" presetClass="entr" presetSubtype="0" fill="hold" grpId="0" nodeType="clickEffect">
+                                  <p:stCondLst>
+                                    <p:cond delay="0"/>
+                                  </p:stCondLst>
+                                  <p:childTnLst>
+                                    <p:set>
+                                      <p:cBhvr>
+                                        <p:cTn id="20" dur="1" fill="hold">
+                                          <p:stCondLst>
+                                            <p:cond delay="0"/>
+                                          </p:stCondLst>
+                                        </p:cTn>
+                                        <p:tgtEl>
+                                          <p:spTgt spid="4">
+                                            <p:txEl>
+                                              <p:pRg st="4" end="4"/>
+                                            </p:txEl>
+                                          </p:spTgt>
+                                        </p:tgtEl>
+                                        <p:attrNameLst>
+                                          <p:attrName>style.visibility</p:attrName>
+                                        </p:attrNameLst>
+                                      </p:cBhvr>
+                                      <p:to>
+                                        <p:strVal val="visible"/>
+                                      </p:to>
+                                    </p:set>
+                                    <p:animEffect transition="in" filter="fade">
+                                      <p:cBhvr>
+                                        <p:cTn id="21" dur="500"/>
+                                        <p:tgtEl>
+                                          <p:spTgt spid="4">
+                                            <p:txEl>
+                                              <p:pRg st="4" end="4"/>
+                                            </p:txEl>
+                                          </p:spTgt>
+                                        </p:tgtEl>
+                                      </p:cBhvr>
+                                    </p:animEffect>
+                                  </p:childTnLst>
+                                </p:cTn>
+                              </p:par>
+                              <p:par>
+                                <p:cTn id="22" presetID="10" presetClass="entr" presetSubtype="0" fill="hold" grpId="0" nodeType="withEffect">
+                                  <p:stCondLst>
+                                    <p:cond delay="0"/>
+                                  </p:stCondLst>
+                                  <p:childTnLst>
+                                    <p:set>
+                                      <p:cBhvr>
+                                        <p:cTn id="23" dur="1" fill="hold">
+                                          <p:stCondLst>
+                                            <p:cond delay="0"/>
+                                          </p:stCondLst>
+                                        </p:cTn>
+                                        <p:tgtEl>
+                                          <p:spTgt spid="4">
+                                            <p:txEl>
+                                              <p:pRg st="5" end="5"/>
+                                            </p:txEl>
+                                          </p:spTgt>
+                                        </p:tgtEl>
+                                        <p:attrNameLst>
+                                          <p:attrName>style.visibility</p:attrName>
+                                        </p:attrNameLst>
+                                      </p:cBhvr>
+                                      <p:to>
+                                        <p:strVal val="visible"/>
+                                      </p:to>
+                                    </p:set>
+                                    <p:animEffect transition="in" filter="fade">
+                                      <p:cBhvr>
+                                        <p:cTn id="24" dur="500"/>
+                                        <p:tgtEl>
+                                          <p:spTgt spid="4">
+                                            <p:txEl>
+                                              <p:pRg st="5" end="5"/>
+                                            </p:txEl>
+                                          </p:spTgt>
+                                        </p:tgtEl>
+                                      </p:cBhvr>
+                                    </p:animEffect>
+                                  </p:childTnLst>
+                                </p:cTn>
+                              </p:par>
+                              <p:par>
+                                <p:cTn id="25" presetID="10" presetClass="entr" presetSubtype="0" fill="hold" grpId="0" nodeType="withEffect">
+                                  <p:stCondLst>
+                                    <p:cond delay="0"/>
+                                  </p:stCondLst>
+                                  <p:childTnLst>
+                                    <p:set>
+                                      <p:cBhvr>
+                                        <p:cTn id="26" dur="1" fill="hold">
+                                          <p:stCondLst>
+                                            <p:cond delay="0"/>
+                                          </p:stCondLst>
+                                        </p:cTn>
+                                        <p:tgtEl>
+                                          <p:spTgt spid="4">
+                                            <p:txEl>
+                                              <p:pRg st="6" end="6"/>
+                                            </p:txEl>
+                                          </p:spTgt>
+                                        </p:tgtEl>
+                                        <p:attrNameLst>
+                                          <p:attrName>style.visibility</p:attrName>
+                                        </p:attrNameLst>
+                                      </p:cBhvr>
+                                      <p:to>
+                                        <p:strVal val="visible"/>
+                                      </p:to>
+                                    </p:set>
+                                    <p:animEffect transition="in" filter="fade">
+                                      <p:cBhvr>
+                                        <p:cTn id="27" dur="500"/>
+                                        <p:tgtEl>
+                                          <p:spTgt spid="4">
+                                            <p:txEl>
+                                              <p:pRg st="6" end="6"/>
+                                            </p:txEl>
+                                          </p:spTgt>
+                                        </p:tgtEl>
+                                      </p:cBhvr>
+                                    </p:animEffect>
+                                  </p:childTnLst>
+                                </p:cTn>
+                              </p:par>
+                            </p:childTnLst>
+                          </p:cTn>
+                        </p:par>
+                      </p:childTnLst>
+                    </p:cTn>
+                  </p:par>
+                </p:childTnLst>
+              </p:cTn>
+              <p:prevCondLst>
+                <p:cond evt="onPrev" delay="0">
+                  <p:tgtEl>
+                    <p:sldTgt/>
+                  </p:tgtEl>
+                </p:cond>
+              </p:prevCondLst>
+              <p:nextCondLst>
+                <p:cond evt="onNext" delay="0">
+                  <p:tgtEl>
+                    <p:sldTgt/>
+                  </p:tgtEl>
+                </p:cond>
+              </p:nextCondLst>
+            </p:seq>
+          </p:childTnLst>
+        </p:cTn>
+      </p:par>
+    </p:tnLst>
+    <p:bldLst>
+      <p:bldP spid="4" grpId="0" build="p"/>
+    </p:bldLst>
+  </p:timing>
 </p:sld>
 </file>
 
@@ -5564,6 +6736,13 @@
   <p:clrMapOvr>
     <a:masterClrMapping/>
   </p:clrMapOvr>
+  <p:timing>
+    <p:tnLst>
+      <p:par>
+        <p:cTn id="1" dur="indefinite" restart="never" nodeType="tmRoot"/>
+      </p:par>
+    </p:tnLst>
+  </p:timing>
 </p:sld>
 </file>
 
@@ -5655,6 +6834,222 @@
   <p:clrMapOvr>
     <a:masterClrMapping/>
   </p:clrMapOvr>
+  <p:timing>
+    <p:tnLst>
+      <p:par>
+        <p:cTn id="1" dur="indefinite" restart="never" nodeType="tmRoot">
+          <p:childTnLst>
+            <p:seq concurrent="1" nextAc="seek">
+              <p:cTn id="2" dur="indefinite" nodeType="mainSeq">
+                <p:childTnLst>
+                  <p:par>
+                    <p:cTn id="3" fill="hold">
+                      <p:stCondLst>
+                        <p:cond delay="indefinite"/>
+                      </p:stCondLst>
+                      <p:childTnLst>
+                        <p:par>
+                          <p:cTn id="4" fill="hold">
+                            <p:stCondLst>
+                              <p:cond delay="0"/>
+                            </p:stCondLst>
+                            <p:childTnLst>
+                              <p:par>
+                                <p:cTn id="5" presetID="10" presetClass="entr" presetSubtype="0" fill="hold" grpId="0" nodeType="clickEffect">
+                                  <p:stCondLst>
+                                    <p:cond delay="0"/>
+                                  </p:stCondLst>
+                                  <p:childTnLst>
+                                    <p:set>
+                                      <p:cBhvr>
+                                        <p:cTn id="6" dur="1" fill="hold">
+                                          <p:stCondLst>
+                                            <p:cond delay="0"/>
+                                          </p:stCondLst>
+                                        </p:cTn>
+                                        <p:tgtEl>
+                                          <p:spTgt spid="3">
+                                            <p:txEl>
+                                              <p:pRg st="0" end="0"/>
+                                            </p:txEl>
+                                          </p:spTgt>
+                                        </p:tgtEl>
+                                        <p:attrNameLst>
+                                          <p:attrName>style.visibility</p:attrName>
+                                        </p:attrNameLst>
+                                      </p:cBhvr>
+                                      <p:to>
+                                        <p:strVal val="visible"/>
+                                      </p:to>
+                                    </p:set>
+                                    <p:animEffect transition="in" filter="fade">
+                                      <p:cBhvr>
+                                        <p:cTn id="7" dur="500"/>
+                                        <p:tgtEl>
+                                          <p:spTgt spid="3">
+                                            <p:txEl>
+                                              <p:pRg st="0" end="0"/>
+                                            </p:txEl>
+                                          </p:spTgt>
+                                        </p:tgtEl>
+                                      </p:cBhvr>
+                                    </p:animEffect>
+                                  </p:childTnLst>
+                                </p:cTn>
+                              </p:par>
+                            </p:childTnLst>
+                          </p:cTn>
+                        </p:par>
+                      </p:childTnLst>
+                    </p:cTn>
+                  </p:par>
+                  <p:par>
+                    <p:cTn id="8" fill="hold">
+                      <p:stCondLst>
+                        <p:cond delay="indefinite"/>
+                      </p:stCondLst>
+                      <p:childTnLst>
+                        <p:par>
+                          <p:cTn id="9" fill="hold">
+                            <p:stCondLst>
+                              <p:cond delay="0"/>
+                            </p:stCondLst>
+                            <p:childTnLst>
+                              <p:par>
+                                <p:cTn id="10" presetID="10" presetClass="entr" presetSubtype="0" fill="hold" grpId="0" nodeType="clickEffect">
+                                  <p:stCondLst>
+                                    <p:cond delay="0"/>
+                                  </p:stCondLst>
+                                  <p:childTnLst>
+                                    <p:set>
+                                      <p:cBhvr>
+                                        <p:cTn id="11" dur="1" fill="hold">
+                                          <p:stCondLst>
+                                            <p:cond delay="0"/>
+                                          </p:stCondLst>
+                                        </p:cTn>
+                                        <p:tgtEl>
+                                          <p:spTgt spid="3">
+                                            <p:txEl>
+                                              <p:pRg st="1" end="1"/>
+                                            </p:txEl>
+                                          </p:spTgt>
+                                        </p:tgtEl>
+                                        <p:attrNameLst>
+                                          <p:attrName>style.visibility</p:attrName>
+                                        </p:attrNameLst>
+                                      </p:cBhvr>
+                                      <p:to>
+                                        <p:strVal val="visible"/>
+                                      </p:to>
+                                    </p:set>
+                                    <p:animEffect transition="in" filter="fade">
+                                      <p:cBhvr>
+                                        <p:cTn id="12" dur="500"/>
+                                        <p:tgtEl>
+                                          <p:spTgt spid="3">
+                                            <p:txEl>
+                                              <p:pRg st="1" end="1"/>
+                                            </p:txEl>
+                                          </p:spTgt>
+                                        </p:tgtEl>
+                                      </p:cBhvr>
+                                    </p:animEffect>
+                                  </p:childTnLst>
+                                </p:cTn>
+                              </p:par>
+                            </p:childTnLst>
+                          </p:cTn>
+                        </p:par>
+                      </p:childTnLst>
+                    </p:cTn>
+                  </p:par>
+                  <p:par>
+                    <p:cTn id="13" fill="hold">
+                      <p:stCondLst>
+                        <p:cond delay="indefinite"/>
+                      </p:stCondLst>
+                      <p:childTnLst>
+                        <p:par>
+                          <p:cTn id="14" fill="hold">
+                            <p:stCondLst>
+                              <p:cond delay="0"/>
+                            </p:stCondLst>
+                            <p:childTnLst>
+                              <p:par>
+                                <p:cTn id="15" presetID="10" presetClass="entr" presetSubtype="0" fill="hold" grpId="0" nodeType="clickEffect">
+                                  <p:stCondLst>
+                                    <p:cond delay="0"/>
+                                  </p:stCondLst>
+                                  <p:childTnLst>
+                                    <p:set>
+                                      <p:cBhvr>
+                                        <p:cTn id="16" dur="1" fill="hold">
+                                          <p:stCondLst>
+                                            <p:cond delay="0"/>
+                                          </p:stCondLst>
+                                        </p:cTn>
+                                        <p:tgtEl>
+                                          <p:spTgt spid="3">
+                                            <p:txEl>
+                                              <p:pRg st="2" end="2"/>
+                                            </p:txEl>
+                                          </p:spTgt>
+                                        </p:tgtEl>
+                                        <p:attrNameLst>
+                                          <p:attrName>style.visibility</p:attrName>
+                                        </p:attrNameLst>
+                                      </p:cBhvr>
+                                      <p:to>
+                                        <p:strVal val="visible"/>
+                                      </p:to>
+                                    </p:set>
+                                    <p:animEffect transition="in" filter="fade">
+                                      <p:cBhvr>
+                                        <p:cTn id="17" dur="500"/>
+                                        <p:tgtEl>
+                                          <p:spTgt spid="3">
+                                            <p:txEl>
+                                              <p:pRg st="2" end="2"/>
+                                            </p:txEl>
+                                          </p:spTgt>
+                                        </p:tgtEl>
+                                      </p:cBhvr>
+                                    </p:animEffect>
+                                  </p:childTnLst>
+                                </p:cTn>
+                              </p:par>
+                            </p:childTnLst>
+                          </p:cTn>
+                        </p:par>
+                      </p:childTnLst>
+                    </p:cTn>
+                  </p:par>
+                </p:childTnLst>
+              </p:cTn>
+              <p:prevCondLst>
+                <p:cond evt="onPrev" delay="0">
+                  <p:tgtEl>
+                    <p:sldTgt/>
+                  </p:tgtEl>
+                </p:cond>
+              </p:prevCondLst>
+              <p:nextCondLst>
+                <p:cond evt="onNext" delay="0">
+                  <p:tgtEl>
+                    <p:sldTgt/>
+                  </p:tgtEl>
+                </p:cond>
+              </p:nextCondLst>
+            </p:seq>
+          </p:childTnLst>
+        </p:cTn>
+      </p:par>
+    </p:tnLst>
+    <p:bldLst>
+      <p:bldP spid="3" grpId="0" build="p"/>
+    </p:bldLst>
+  </p:timing>
 </p:sld>
 </file>
 
@@ -5781,6 +7176,13 @@
   <p:clrMapOvr>
     <a:masterClrMapping/>
   </p:clrMapOvr>
+  <p:timing>
+    <p:tnLst>
+      <p:par>
+        <p:cTn id="1" dur="indefinite" restart="never" nodeType="tmRoot"/>
+      </p:par>
+    </p:tnLst>
+  </p:timing>
 </p:sld>
 </file>
 
@@ -5890,6 +7292,333 @@
   <p:clrMapOvr>
     <a:masterClrMapping/>
   </p:clrMapOvr>
+  <p:timing>
+    <p:tnLst>
+      <p:par>
+        <p:cTn id="1" dur="indefinite" restart="never" nodeType="tmRoot">
+          <p:childTnLst>
+            <p:seq concurrent="1" nextAc="seek">
+              <p:cTn id="2" dur="indefinite" nodeType="mainSeq">
+                <p:childTnLst>
+                  <p:par>
+                    <p:cTn id="3" fill="hold">
+                      <p:stCondLst>
+                        <p:cond delay="indefinite"/>
+                      </p:stCondLst>
+                      <p:childTnLst>
+                        <p:par>
+                          <p:cTn id="4" fill="hold">
+                            <p:stCondLst>
+                              <p:cond delay="0"/>
+                            </p:stCondLst>
+                            <p:childTnLst>
+                              <p:par>
+                                <p:cTn id="5" presetID="10" presetClass="entr" presetSubtype="0" fill="hold" grpId="0" nodeType="clickEffect">
+                                  <p:stCondLst>
+                                    <p:cond delay="0"/>
+                                  </p:stCondLst>
+                                  <p:childTnLst>
+                                    <p:set>
+                                      <p:cBhvr>
+                                        <p:cTn id="6" dur="1" fill="hold">
+                                          <p:stCondLst>
+                                            <p:cond delay="0"/>
+                                          </p:stCondLst>
+                                        </p:cTn>
+                                        <p:tgtEl>
+                                          <p:spTgt spid="4">
+                                            <p:txEl>
+                                              <p:pRg st="0" end="0"/>
+                                            </p:txEl>
+                                          </p:spTgt>
+                                        </p:tgtEl>
+                                        <p:attrNameLst>
+                                          <p:attrName>style.visibility</p:attrName>
+                                        </p:attrNameLst>
+                                      </p:cBhvr>
+                                      <p:to>
+                                        <p:strVal val="visible"/>
+                                      </p:to>
+                                    </p:set>
+                                    <p:animEffect transition="in" filter="fade">
+                                      <p:cBhvr>
+                                        <p:cTn id="7" dur="500"/>
+                                        <p:tgtEl>
+                                          <p:spTgt spid="4">
+                                            <p:txEl>
+                                              <p:pRg st="0" end="0"/>
+                                            </p:txEl>
+                                          </p:spTgt>
+                                        </p:tgtEl>
+                                      </p:cBhvr>
+                                    </p:animEffect>
+                                  </p:childTnLst>
+                                </p:cTn>
+                              </p:par>
+                              <p:par>
+                                <p:cTn id="8" presetID="10" presetClass="entr" presetSubtype="0" fill="hold" grpId="0" nodeType="withEffect">
+                                  <p:stCondLst>
+                                    <p:cond delay="0"/>
+                                  </p:stCondLst>
+                                  <p:childTnLst>
+                                    <p:set>
+                                      <p:cBhvr>
+                                        <p:cTn id="9" dur="1" fill="hold">
+                                          <p:stCondLst>
+                                            <p:cond delay="0"/>
+                                          </p:stCondLst>
+                                        </p:cTn>
+                                        <p:tgtEl>
+                                          <p:spTgt spid="4">
+                                            <p:txEl>
+                                              <p:pRg st="1" end="1"/>
+                                            </p:txEl>
+                                          </p:spTgt>
+                                        </p:tgtEl>
+                                        <p:attrNameLst>
+                                          <p:attrName>style.visibility</p:attrName>
+                                        </p:attrNameLst>
+                                      </p:cBhvr>
+                                      <p:to>
+                                        <p:strVal val="visible"/>
+                                      </p:to>
+                                    </p:set>
+                                    <p:animEffect transition="in" filter="fade">
+                                      <p:cBhvr>
+                                        <p:cTn id="10" dur="500"/>
+                                        <p:tgtEl>
+                                          <p:spTgt spid="4">
+                                            <p:txEl>
+                                              <p:pRg st="1" end="1"/>
+                                            </p:txEl>
+                                          </p:spTgt>
+                                        </p:tgtEl>
+                                      </p:cBhvr>
+                                    </p:animEffect>
+                                  </p:childTnLst>
+                                </p:cTn>
+                              </p:par>
+                              <p:par>
+                                <p:cTn id="11" presetID="10" presetClass="entr" presetSubtype="0" fill="hold" grpId="0" nodeType="withEffect">
+                                  <p:stCondLst>
+                                    <p:cond delay="0"/>
+                                  </p:stCondLst>
+                                  <p:childTnLst>
+                                    <p:set>
+                                      <p:cBhvr>
+                                        <p:cTn id="12" dur="1" fill="hold">
+                                          <p:stCondLst>
+                                            <p:cond delay="0"/>
+                                          </p:stCondLst>
+                                        </p:cTn>
+                                        <p:tgtEl>
+                                          <p:spTgt spid="4">
+                                            <p:txEl>
+                                              <p:pRg st="2" end="2"/>
+                                            </p:txEl>
+                                          </p:spTgt>
+                                        </p:tgtEl>
+                                        <p:attrNameLst>
+                                          <p:attrName>style.visibility</p:attrName>
+                                        </p:attrNameLst>
+                                      </p:cBhvr>
+                                      <p:to>
+                                        <p:strVal val="visible"/>
+                                      </p:to>
+                                    </p:set>
+                                    <p:animEffect transition="in" filter="fade">
+                                      <p:cBhvr>
+                                        <p:cTn id="13" dur="500"/>
+                                        <p:tgtEl>
+                                          <p:spTgt spid="4">
+                                            <p:txEl>
+                                              <p:pRg st="2" end="2"/>
+                                            </p:txEl>
+                                          </p:spTgt>
+                                        </p:tgtEl>
+                                      </p:cBhvr>
+                                    </p:animEffect>
+                                  </p:childTnLst>
+                                </p:cTn>
+                              </p:par>
+                              <p:par>
+                                <p:cTn id="14" presetID="10" presetClass="entr" presetSubtype="0" fill="hold" grpId="0" nodeType="withEffect">
+                                  <p:stCondLst>
+                                    <p:cond delay="0"/>
+                                  </p:stCondLst>
+                                  <p:childTnLst>
+                                    <p:set>
+                                      <p:cBhvr>
+                                        <p:cTn id="15" dur="1" fill="hold">
+                                          <p:stCondLst>
+                                            <p:cond delay="0"/>
+                                          </p:stCondLst>
+                                        </p:cTn>
+                                        <p:tgtEl>
+                                          <p:spTgt spid="4">
+                                            <p:txEl>
+                                              <p:pRg st="3" end="3"/>
+                                            </p:txEl>
+                                          </p:spTgt>
+                                        </p:tgtEl>
+                                        <p:attrNameLst>
+                                          <p:attrName>style.visibility</p:attrName>
+                                        </p:attrNameLst>
+                                      </p:cBhvr>
+                                      <p:to>
+                                        <p:strVal val="visible"/>
+                                      </p:to>
+                                    </p:set>
+                                    <p:animEffect transition="in" filter="fade">
+                                      <p:cBhvr>
+                                        <p:cTn id="16" dur="500"/>
+                                        <p:tgtEl>
+                                          <p:spTgt spid="4">
+                                            <p:txEl>
+                                              <p:pRg st="3" end="3"/>
+                                            </p:txEl>
+                                          </p:spTgt>
+                                        </p:tgtEl>
+                                      </p:cBhvr>
+                                    </p:animEffect>
+                                  </p:childTnLst>
+                                </p:cTn>
+                              </p:par>
+                            </p:childTnLst>
+                          </p:cTn>
+                        </p:par>
+                      </p:childTnLst>
+                    </p:cTn>
+                  </p:par>
+                  <p:par>
+                    <p:cTn id="17" fill="hold">
+                      <p:stCondLst>
+                        <p:cond delay="indefinite"/>
+                      </p:stCondLst>
+                      <p:childTnLst>
+                        <p:par>
+                          <p:cTn id="18" fill="hold">
+                            <p:stCondLst>
+                              <p:cond delay="0"/>
+                            </p:stCondLst>
+                            <p:childTnLst>
+                              <p:par>
+                                <p:cTn id="19" presetID="10" presetClass="entr" presetSubtype="0" fill="hold" grpId="0" nodeType="clickEffect">
+                                  <p:stCondLst>
+                                    <p:cond delay="0"/>
+                                  </p:stCondLst>
+                                  <p:childTnLst>
+                                    <p:set>
+                                      <p:cBhvr>
+                                        <p:cTn id="20" dur="1" fill="hold">
+                                          <p:stCondLst>
+                                            <p:cond delay="0"/>
+                                          </p:stCondLst>
+                                        </p:cTn>
+                                        <p:tgtEl>
+                                          <p:spTgt spid="4">
+                                            <p:txEl>
+                                              <p:pRg st="4" end="4"/>
+                                            </p:txEl>
+                                          </p:spTgt>
+                                        </p:tgtEl>
+                                        <p:attrNameLst>
+                                          <p:attrName>style.visibility</p:attrName>
+                                        </p:attrNameLst>
+                                      </p:cBhvr>
+                                      <p:to>
+                                        <p:strVal val="visible"/>
+                                      </p:to>
+                                    </p:set>
+                                    <p:animEffect transition="in" filter="fade">
+                                      <p:cBhvr>
+                                        <p:cTn id="21" dur="500"/>
+                                        <p:tgtEl>
+                                          <p:spTgt spid="4">
+                                            <p:txEl>
+                                              <p:pRg st="4" end="4"/>
+                                            </p:txEl>
+                                          </p:spTgt>
+                                        </p:tgtEl>
+                                      </p:cBhvr>
+                                    </p:animEffect>
+                                  </p:childTnLst>
+                                </p:cTn>
+                              </p:par>
+                              <p:par>
+                                <p:cTn id="22" presetID="10" presetClass="entr" presetSubtype="0" fill="hold" grpId="0" nodeType="withEffect">
+                                  <p:stCondLst>
+                                    <p:cond delay="0"/>
+                                  </p:stCondLst>
+                                  <p:childTnLst>
+                                    <p:set>
+                                      <p:cBhvr>
+                                        <p:cTn id="23" dur="1" fill="hold">
+                                          <p:stCondLst>
+                                            <p:cond delay="0"/>
+                                          </p:stCondLst>
+                                        </p:cTn>
+                                        <p:tgtEl>
+                                          <p:spTgt spid="4">
+                                            <p:txEl>
+                                              <p:pRg st="5" end="5"/>
+                                            </p:txEl>
+                                          </p:spTgt>
+                                        </p:tgtEl>
+                                        <p:attrNameLst>
+                                          <p:attrName>style.visibility</p:attrName>
+                                        </p:attrNameLst>
+                                      </p:cBhvr>
+                                      <p:to>
+                                        <p:strVal val="visible"/>
+                                      </p:to>
+                                    </p:set>
+                                    <p:animEffect transition="in" filter="fade">
+                                      <p:cBhvr>
+                                        <p:cTn id="24" dur="500"/>
+                                        <p:tgtEl>
+                                          <p:spTgt spid="4">
+                                            <p:txEl>
+                                              <p:pRg st="5" end="5"/>
+                                            </p:txEl>
+                                          </p:spTgt>
+                                        </p:tgtEl>
+                                      </p:cBhvr>
+                                    </p:animEffect>
+                                  </p:childTnLst>
+                                </p:cTn>
+                              </p:par>
+                            </p:childTnLst>
+                          </p:cTn>
+                        </p:par>
+                      </p:childTnLst>
+                    </p:cTn>
+                  </p:par>
+                </p:childTnLst>
+              </p:cTn>
+              <p:prevCondLst>
+                <p:cond evt="onPrev" delay="0">
+                  <p:tgtEl>
+                    <p:sldTgt/>
+                  </p:tgtEl>
+                </p:cond>
+              </p:prevCondLst>
+              <p:nextCondLst>
+                <p:cond evt="onNext" delay="0">
+                  <p:tgtEl>
+                    <p:sldTgt/>
+                  </p:tgtEl>
+                </p:cond>
+              </p:nextCondLst>
+            </p:seq>
+          </p:childTnLst>
+        </p:cTn>
+      </p:par>
+    </p:tnLst>
+    <p:bldLst>
+      <p:bldP spid="4" grpId="0" build="p"/>
+    </p:bldLst>
+  </p:timing>
 </p:sld>
 </file>
 
@@ -5950,7 +7679,7 @@
           <a:lstStyle/>
           <a:p>
             <a:r>
-              <a:rPr lang="ru-RU"/>
+              <a:rPr lang="ru-RU" dirty="0"/>
               <a:t>Разработать </a:t>
             </a:r>
             <a:r>
@@ -6018,6 +7747,412 @@
   <p:clrMapOvr>
     <a:masterClrMapping/>
   </p:clrMapOvr>
+  <p:timing>
+    <p:tnLst>
+      <p:par>
+        <p:cTn id="1" dur="indefinite" restart="never" nodeType="tmRoot">
+          <p:childTnLst>
+            <p:seq concurrent="1" nextAc="seek">
+              <p:cTn id="2" dur="indefinite" nodeType="mainSeq">
+                <p:childTnLst>
+                  <p:par>
+                    <p:cTn id="3" fill="hold">
+                      <p:stCondLst>
+                        <p:cond delay="indefinite"/>
+                      </p:stCondLst>
+                      <p:childTnLst>
+                        <p:par>
+                          <p:cTn id="4" fill="hold">
+                            <p:stCondLst>
+                              <p:cond delay="0"/>
+                            </p:stCondLst>
+                            <p:childTnLst>
+                              <p:par>
+                                <p:cTn id="5" presetID="10" presetClass="entr" presetSubtype="0" fill="hold" grpId="0" nodeType="clickEffect">
+                                  <p:stCondLst>
+                                    <p:cond delay="0"/>
+                                  </p:stCondLst>
+                                  <p:childTnLst>
+                                    <p:set>
+                                      <p:cBhvr>
+                                        <p:cTn id="6" dur="1" fill="hold">
+                                          <p:stCondLst>
+                                            <p:cond delay="0"/>
+                                          </p:stCondLst>
+                                        </p:cTn>
+                                        <p:tgtEl>
+                                          <p:spTgt spid="3">
+                                            <p:txEl>
+                                              <p:pRg st="0" end="0"/>
+                                            </p:txEl>
+                                          </p:spTgt>
+                                        </p:tgtEl>
+                                        <p:attrNameLst>
+                                          <p:attrName>style.visibility</p:attrName>
+                                        </p:attrNameLst>
+                                      </p:cBhvr>
+                                      <p:to>
+                                        <p:strVal val="visible"/>
+                                      </p:to>
+                                    </p:set>
+                                    <p:animEffect transition="in" filter="fade">
+                                      <p:cBhvr>
+                                        <p:cTn id="7" dur="500"/>
+                                        <p:tgtEl>
+                                          <p:spTgt spid="3">
+                                            <p:txEl>
+                                              <p:pRg st="0" end="0"/>
+                                            </p:txEl>
+                                          </p:spTgt>
+                                        </p:tgtEl>
+                                      </p:cBhvr>
+                                    </p:animEffect>
+                                  </p:childTnLst>
+                                </p:cTn>
+                              </p:par>
+                              <p:par>
+                                <p:cTn id="8" presetID="10" presetClass="entr" presetSubtype="0" fill="hold" grpId="0" nodeType="withEffect">
+                                  <p:stCondLst>
+                                    <p:cond delay="0"/>
+                                  </p:stCondLst>
+                                  <p:childTnLst>
+                                    <p:set>
+                                      <p:cBhvr>
+                                        <p:cTn id="9" dur="1" fill="hold">
+                                          <p:stCondLst>
+                                            <p:cond delay="0"/>
+                                          </p:stCondLst>
+                                        </p:cTn>
+                                        <p:tgtEl>
+                                          <p:spTgt spid="3">
+                                            <p:txEl>
+                                              <p:pRg st="1" end="1"/>
+                                            </p:txEl>
+                                          </p:spTgt>
+                                        </p:tgtEl>
+                                        <p:attrNameLst>
+                                          <p:attrName>style.visibility</p:attrName>
+                                        </p:attrNameLst>
+                                      </p:cBhvr>
+                                      <p:to>
+                                        <p:strVal val="visible"/>
+                                      </p:to>
+                                    </p:set>
+                                    <p:animEffect transition="in" filter="fade">
+                                      <p:cBhvr>
+                                        <p:cTn id="10" dur="500"/>
+                                        <p:tgtEl>
+                                          <p:spTgt spid="3">
+                                            <p:txEl>
+                                              <p:pRg st="1" end="1"/>
+                                            </p:txEl>
+                                          </p:spTgt>
+                                        </p:tgtEl>
+                                      </p:cBhvr>
+                                    </p:animEffect>
+                                  </p:childTnLst>
+                                </p:cTn>
+                              </p:par>
+                            </p:childTnLst>
+                          </p:cTn>
+                        </p:par>
+                      </p:childTnLst>
+                    </p:cTn>
+                  </p:par>
+                  <p:par>
+                    <p:cTn id="11" fill="hold">
+                      <p:stCondLst>
+                        <p:cond delay="indefinite"/>
+                      </p:stCondLst>
+                      <p:childTnLst>
+                        <p:par>
+                          <p:cTn id="12" fill="hold">
+                            <p:stCondLst>
+                              <p:cond delay="0"/>
+                            </p:stCondLst>
+                            <p:childTnLst>
+                              <p:par>
+                                <p:cTn id="13" presetID="10" presetClass="entr" presetSubtype="0" fill="hold" grpId="0" nodeType="clickEffect">
+                                  <p:stCondLst>
+                                    <p:cond delay="0"/>
+                                  </p:stCondLst>
+                                  <p:childTnLst>
+                                    <p:set>
+                                      <p:cBhvr>
+                                        <p:cTn id="14" dur="1" fill="hold">
+                                          <p:stCondLst>
+                                            <p:cond delay="0"/>
+                                          </p:stCondLst>
+                                        </p:cTn>
+                                        <p:tgtEl>
+                                          <p:spTgt spid="3">
+                                            <p:txEl>
+                                              <p:pRg st="2" end="2"/>
+                                            </p:txEl>
+                                          </p:spTgt>
+                                        </p:tgtEl>
+                                        <p:attrNameLst>
+                                          <p:attrName>style.visibility</p:attrName>
+                                        </p:attrNameLst>
+                                      </p:cBhvr>
+                                      <p:to>
+                                        <p:strVal val="visible"/>
+                                      </p:to>
+                                    </p:set>
+                                    <p:animEffect transition="in" filter="fade">
+                                      <p:cBhvr>
+                                        <p:cTn id="15" dur="500"/>
+                                        <p:tgtEl>
+                                          <p:spTgt spid="3">
+                                            <p:txEl>
+                                              <p:pRg st="2" end="2"/>
+                                            </p:txEl>
+                                          </p:spTgt>
+                                        </p:tgtEl>
+                                      </p:cBhvr>
+                                    </p:animEffect>
+                                  </p:childTnLst>
+                                </p:cTn>
+                              </p:par>
+                              <p:par>
+                                <p:cTn id="16" presetID="10" presetClass="entr" presetSubtype="0" fill="hold" grpId="0" nodeType="withEffect">
+                                  <p:stCondLst>
+                                    <p:cond delay="0"/>
+                                  </p:stCondLst>
+                                  <p:childTnLst>
+                                    <p:set>
+                                      <p:cBhvr>
+                                        <p:cTn id="17" dur="1" fill="hold">
+                                          <p:stCondLst>
+                                            <p:cond delay="0"/>
+                                          </p:stCondLst>
+                                        </p:cTn>
+                                        <p:tgtEl>
+                                          <p:spTgt spid="3">
+                                            <p:txEl>
+                                              <p:pRg st="3" end="3"/>
+                                            </p:txEl>
+                                          </p:spTgt>
+                                        </p:tgtEl>
+                                        <p:attrNameLst>
+                                          <p:attrName>style.visibility</p:attrName>
+                                        </p:attrNameLst>
+                                      </p:cBhvr>
+                                      <p:to>
+                                        <p:strVal val="visible"/>
+                                      </p:to>
+                                    </p:set>
+                                    <p:animEffect transition="in" filter="fade">
+                                      <p:cBhvr>
+                                        <p:cTn id="18" dur="500"/>
+                                        <p:tgtEl>
+                                          <p:spTgt spid="3">
+                                            <p:txEl>
+                                              <p:pRg st="3" end="3"/>
+                                            </p:txEl>
+                                          </p:spTgt>
+                                        </p:tgtEl>
+                                      </p:cBhvr>
+                                    </p:animEffect>
+                                  </p:childTnLst>
+                                </p:cTn>
+                              </p:par>
+                            </p:childTnLst>
+                          </p:cTn>
+                        </p:par>
+                      </p:childTnLst>
+                    </p:cTn>
+                  </p:par>
+                  <p:par>
+                    <p:cTn id="19" fill="hold">
+                      <p:stCondLst>
+                        <p:cond delay="indefinite"/>
+                      </p:stCondLst>
+                      <p:childTnLst>
+                        <p:par>
+                          <p:cTn id="20" fill="hold">
+                            <p:stCondLst>
+                              <p:cond delay="0"/>
+                            </p:stCondLst>
+                            <p:childTnLst>
+                              <p:par>
+                                <p:cTn id="21" presetID="10" presetClass="entr" presetSubtype="0" fill="hold" grpId="0" nodeType="clickEffect">
+                                  <p:stCondLst>
+                                    <p:cond delay="0"/>
+                                  </p:stCondLst>
+                                  <p:childTnLst>
+                                    <p:set>
+                                      <p:cBhvr>
+                                        <p:cTn id="22" dur="1" fill="hold">
+                                          <p:stCondLst>
+                                            <p:cond delay="0"/>
+                                          </p:stCondLst>
+                                        </p:cTn>
+                                        <p:tgtEl>
+                                          <p:spTgt spid="3">
+                                            <p:txEl>
+                                              <p:pRg st="4" end="4"/>
+                                            </p:txEl>
+                                          </p:spTgt>
+                                        </p:tgtEl>
+                                        <p:attrNameLst>
+                                          <p:attrName>style.visibility</p:attrName>
+                                        </p:attrNameLst>
+                                      </p:cBhvr>
+                                      <p:to>
+                                        <p:strVal val="visible"/>
+                                      </p:to>
+                                    </p:set>
+                                    <p:animEffect transition="in" filter="fade">
+                                      <p:cBhvr>
+                                        <p:cTn id="23" dur="500"/>
+                                        <p:tgtEl>
+                                          <p:spTgt spid="3">
+                                            <p:txEl>
+                                              <p:pRg st="4" end="4"/>
+                                            </p:txEl>
+                                          </p:spTgt>
+                                        </p:tgtEl>
+                                      </p:cBhvr>
+                                    </p:animEffect>
+                                  </p:childTnLst>
+                                </p:cTn>
+                              </p:par>
+                              <p:par>
+                                <p:cTn id="24" presetID="10" presetClass="entr" presetSubtype="0" fill="hold" grpId="0" nodeType="withEffect">
+                                  <p:stCondLst>
+                                    <p:cond delay="0"/>
+                                  </p:stCondLst>
+                                  <p:childTnLst>
+                                    <p:set>
+                                      <p:cBhvr>
+                                        <p:cTn id="25" dur="1" fill="hold">
+                                          <p:stCondLst>
+                                            <p:cond delay="0"/>
+                                          </p:stCondLst>
+                                        </p:cTn>
+                                        <p:tgtEl>
+                                          <p:spTgt spid="3">
+                                            <p:txEl>
+                                              <p:pRg st="5" end="5"/>
+                                            </p:txEl>
+                                          </p:spTgt>
+                                        </p:tgtEl>
+                                        <p:attrNameLst>
+                                          <p:attrName>style.visibility</p:attrName>
+                                        </p:attrNameLst>
+                                      </p:cBhvr>
+                                      <p:to>
+                                        <p:strVal val="visible"/>
+                                      </p:to>
+                                    </p:set>
+                                    <p:animEffect transition="in" filter="fade">
+                                      <p:cBhvr>
+                                        <p:cTn id="26" dur="500"/>
+                                        <p:tgtEl>
+                                          <p:spTgt spid="3">
+                                            <p:txEl>
+                                              <p:pRg st="5" end="5"/>
+                                            </p:txEl>
+                                          </p:spTgt>
+                                        </p:tgtEl>
+                                      </p:cBhvr>
+                                    </p:animEffect>
+                                  </p:childTnLst>
+                                </p:cTn>
+                              </p:par>
+                            </p:childTnLst>
+                          </p:cTn>
+                        </p:par>
+                      </p:childTnLst>
+                    </p:cTn>
+                  </p:par>
+                  <p:par>
+                    <p:cTn id="27" fill="hold">
+                      <p:stCondLst>
+                        <p:cond delay="indefinite"/>
+                      </p:stCondLst>
+                      <p:childTnLst>
+                        <p:par>
+                          <p:cTn id="28" fill="hold">
+                            <p:stCondLst>
+                              <p:cond delay="0"/>
+                            </p:stCondLst>
+                            <p:childTnLst>
+                              <p:par>
+                                <p:cTn id="29" presetID="10" presetClass="entr" presetSubtype="0" fill="hold" grpId="0" nodeType="clickEffect">
+                                  <p:stCondLst>
+                                    <p:cond delay="0"/>
+                                  </p:stCondLst>
+                                  <p:childTnLst>
+                                    <p:set>
+                                      <p:cBhvr>
+                                        <p:cTn id="30" dur="1" fill="hold">
+                                          <p:stCondLst>
+                                            <p:cond delay="0"/>
+                                          </p:stCondLst>
+                                        </p:cTn>
+                                        <p:tgtEl>
+                                          <p:spTgt spid="3">
+                                            <p:txEl>
+                                              <p:pRg st="6" end="6"/>
+                                            </p:txEl>
+                                          </p:spTgt>
+                                        </p:tgtEl>
+                                        <p:attrNameLst>
+                                          <p:attrName>style.visibility</p:attrName>
+                                        </p:attrNameLst>
+                                      </p:cBhvr>
+                                      <p:to>
+                                        <p:strVal val="visible"/>
+                                      </p:to>
+                                    </p:set>
+                                    <p:animEffect transition="in" filter="fade">
+                                      <p:cBhvr>
+                                        <p:cTn id="31" dur="500"/>
+                                        <p:tgtEl>
+                                          <p:spTgt spid="3">
+                                            <p:txEl>
+                                              <p:pRg st="6" end="6"/>
+                                            </p:txEl>
+                                          </p:spTgt>
+                                        </p:tgtEl>
+                                      </p:cBhvr>
+                                    </p:animEffect>
+                                  </p:childTnLst>
+                                </p:cTn>
+                              </p:par>
+                            </p:childTnLst>
+                          </p:cTn>
+                        </p:par>
+                      </p:childTnLst>
+                    </p:cTn>
+                  </p:par>
+                </p:childTnLst>
+              </p:cTn>
+              <p:prevCondLst>
+                <p:cond evt="onPrev" delay="0">
+                  <p:tgtEl>
+                    <p:sldTgt/>
+                  </p:tgtEl>
+                </p:cond>
+              </p:prevCondLst>
+              <p:nextCondLst>
+                <p:cond evt="onNext" delay="0">
+                  <p:tgtEl>
+                    <p:sldTgt/>
+                  </p:tgtEl>
+                </p:cond>
+              </p:nextCondLst>
+            </p:seq>
+          </p:childTnLst>
+        </p:cTn>
+      </p:par>
+    </p:tnLst>
+    <p:bldLst>
+      <p:bldP spid="3" grpId="0" build="p"/>
+    </p:bldLst>
+  </p:timing>
 </p:sld>
 </file>
 
@@ -7369,6 +9504,13 @@
   <p:clrMapOvr>
     <a:masterClrMapping/>
   </p:clrMapOvr>
+  <p:timing>
+    <p:tnLst>
+      <p:par>
+        <p:cTn id="1" dur="indefinite" restart="never" nodeType="tmRoot"/>
+      </p:par>
+    </p:tnLst>
+  </p:timing>
 </p:sld>
 </file>
 
@@ -7452,6 +9594,13 @@
   <p:clrMapOvr>
     <a:masterClrMapping/>
   </p:clrMapOvr>
+  <p:timing>
+    <p:tnLst>
+      <p:par>
+        <p:cTn id="1" dur="indefinite" restart="never" nodeType="tmRoot"/>
+      </p:par>
+    </p:tnLst>
+  </p:timing>
 </p:sld>
 </file>
 
@@ -8263,6 +10412,125 @@
           </p:txBody>
         </p:sp>
       </p:grpSp>
+      <p:sp>
+        <p:nvSpPr>
+          <p:cNvPr id="2" name="Freeform 1"/>
+          <p:cNvSpPr/>
+          <p:nvPr/>
+        </p:nvSpPr>
+        <p:spPr>
+          <a:xfrm>
+            <a:off x="107004" y="2398837"/>
+            <a:ext cx="8745166" cy="1008344"/>
+          </a:xfrm>
+          <a:custGeom>
+            <a:avLst/>
+            <a:gdLst>
+              <a:gd name="connsiteX0" fmla="*/ 0 w 8745166"/>
+              <a:gd name="connsiteY0" fmla="*/ 996116 h 1008344"/>
+              <a:gd name="connsiteX1" fmla="*/ 1099226 w 8745166"/>
+              <a:gd name="connsiteY1" fmla="*/ 976661 h 1008344"/>
+              <a:gd name="connsiteX2" fmla="*/ 3112851 w 8745166"/>
+              <a:gd name="connsiteY2" fmla="*/ 723742 h 1008344"/>
+              <a:gd name="connsiteX3" fmla="*/ 4367719 w 8745166"/>
+              <a:gd name="connsiteY3" fmla="*/ 159537 h 1008344"/>
+              <a:gd name="connsiteX4" fmla="*/ 6449439 w 8745166"/>
+              <a:gd name="connsiteY4" fmla="*/ 3895 h 1008344"/>
+              <a:gd name="connsiteX5" fmla="*/ 8745166 w 8745166"/>
+              <a:gd name="connsiteY5" fmla="*/ 62261 h 1008344"/>
+            </a:gdLst>
+            <a:ahLst/>
+            <a:cxnLst>
+              <a:cxn ang="0">
+                <a:pos x="connsiteX0" y="connsiteY0"/>
+              </a:cxn>
+              <a:cxn ang="0">
+                <a:pos x="connsiteX1" y="connsiteY1"/>
+              </a:cxn>
+              <a:cxn ang="0">
+                <a:pos x="connsiteX2" y="connsiteY2"/>
+              </a:cxn>
+              <a:cxn ang="0">
+                <a:pos x="connsiteX3" y="connsiteY3"/>
+              </a:cxn>
+              <a:cxn ang="0">
+                <a:pos x="connsiteX4" y="connsiteY4"/>
+              </a:cxn>
+              <a:cxn ang="0">
+                <a:pos x="connsiteX5" y="connsiteY5"/>
+              </a:cxn>
+            </a:cxnLst>
+            <a:rect l="l" t="t" r="r" b="b"/>
+            <a:pathLst>
+              <a:path w="8745166" h="1008344">
+                <a:moveTo>
+                  <a:pt x="0" y="996116"/>
+                </a:moveTo>
+                <a:cubicBezTo>
+                  <a:pt x="290209" y="1009086"/>
+                  <a:pt x="580418" y="1022057"/>
+                  <a:pt x="1099226" y="976661"/>
+                </a:cubicBezTo>
+                <a:cubicBezTo>
+                  <a:pt x="1618034" y="931265"/>
+                  <a:pt x="2568102" y="859929"/>
+                  <a:pt x="3112851" y="723742"/>
+                </a:cubicBezTo>
+                <a:cubicBezTo>
+                  <a:pt x="3657600" y="587555"/>
+                  <a:pt x="3811621" y="279511"/>
+                  <a:pt x="4367719" y="159537"/>
+                </a:cubicBezTo>
+                <a:cubicBezTo>
+                  <a:pt x="4923817" y="39563"/>
+                  <a:pt x="5719865" y="20108"/>
+                  <a:pt x="6449439" y="3895"/>
+                </a:cubicBezTo>
+                <a:cubicBezTo>
+                  <a:pt x="7179013" y="-12318"/>
+                  <a:pt x="7962089" y="24971"/>
+                  <a:pt x="8745166" y="62261"/>
+                </a:cubicBezTo>
+              </a:path>
+            </a:pathLst>
+          </a:custGeom>
+          <a:ln w="9525" cap="flat" cmpd="sng" algn="ctr">
+            <a:solidFill>
+              <a:schemeClr val="dk1"/>
+            </a:solidFill>
+            <a:prstDash val="dash"/>
+            <a:round/>
+            <a:headEnd type="none" w="med" len="med"/>
+            <a:tailEnd type="none" w="med" len="med"/>
+          </a:ln>
+        </p:spPr>
+        <p:style>
+          <a:lnRef idx="0">
+            <a:scrgbClr r="0" g="0" b="0"/>
+          </a:lnRef>
+          <a:fillRef idx="0">
+            <a:scrgbClr r="0" g="0" b="0"/>
+          </a:fillRef>
+          <a:effectRef idx="0">
+            <a:scrgbClr r="0" g="0" b="0"/>
+          </a:effectRef>
+          <a:fontRef idx="minor">
+            <a:schemeClr val="tx1"/>
+          </a:fontRef>
+        </p:style>
+        <p:txBody>
+          <a:bodyPr rtlCol="0" anchor="ctr"/>
+          <a:lstStyle/>
+          <a:p>
+            <a:pPr algn="ctr"/>
+            <a:endParaRPr lang="ru-RU">
+              <a:solidFill>
+                <a:schemeClr val="tx1"/>
+              </a:solidFill>
+            </a:endParaRPr>
+          </a:p>
+        </p:txBody>
+      </p:sp>
     </p:spTree>
     <p:extLst>
       <p:ext uri="{BB962C8B-B14F-4D97-AF65-F5344CB8AC3E}">
@@ -8753,6 +11021,247 @@
   <p:clrMapOvr>
     <a:masterClrMapping/>
   </p:clrMapOvr>
+  <p:timing>
+    <p:tnLst>
+      <p:par>
+        <p:cTn id="1" dur="indefinite" restart="never" nodeType="tmRoot">
+          <p:childTnLst>
+            <p:seq concurrent="1" nextAc="seek">
+              <p:cTn id="2" dur="indefinite" nodeType="mainSeq">
+                <p:childTnLst>
+                  <p:par>
+                    <p:cTn id="3" fill="hold">
+                      <p:stCondLst>
+                        <p:cond delay="indefinite"/>
+                      </p:stCondLst>
+                      <p:childTnLst>
+                        <p:par>
+                          <p:cTn id="4" fill="hold">
+                            <p:stCondLst>
+                              <p:cond delay="0"/>
+                            </p:stCondLst>
+                            <p:childTnLst>
+                              <p:par>
+                                <p:cTn id="5" presetID="10" presetClass="entr" presetSubtype="0" fill="hold" grpId="0" nodeType="clickEffect">
+                                  <p:stCondLst>
+                                    <p:cond delay="0"/>
+                                  </p:stCondLst>
+                                  <p:childTnLst>
+                                    <p:set>
+                                      <p:cBhvr>
+                                        <p:cTn id="6" dur="1" fill="hold">
+                                          <p:stCondLst>
+                                            <p:cond delay="0"/>
+                                          </p:stCondLst>
+                                        </p:cTn>
+                                        <p:tgtEl>
+                                          <p:spTgt spid="5">
+                                            <p:txEl>
+                                              <p:pRg st="0" end="0"/>
+                                            </p:txEl>
+                                          </p:spTgt>
+                                        </p:tgtEl>
+                                        <p:attrNameLst>
+                                          <p:attrName>style.visibility</p:attrName>
+                                        </p:attrNameLst>
+                                      </p:cBhvr>
+                                      <p:to>
+                                        <p:strVal val="visible"/>
+                                      </p:to>
+                                    </p:set>
+                                    <p:animEffect transition="in" filter="fade">
+                                      <p:cBhvr>
+                                        <p:cTn id="7" dur="500"/>
+                                        <p:tgtEl>
+                                          <p:spTgt spid="5">
+                                            <p:txEl>
+                                              <p:pRg st="0" end="0"/>
+                                            </p:txEl>
+                                          </p:spTgt>
+                                        </p:tgtEl>
+                                      </p:cBhvr>
+                                    </p:animEffect>
+                                  </p:childTnLst>
+                                </p:cTn>
+                              </p:par>
+                              <p:par>
+                                <p:cTn id="8" presetID="10" presetClass="entr" presetSubtype="0" fill="hold" grpId="0" nodeType="withEffect">
+                                  <p:stCondLst>
+                                    <p:cond delay="0"/>
+                                  </p:stCondLst>
+                                  <p:childTnLst>
+                                    <p:set>
+                                      <p:cBhvr>
+                                        <p:cTn id="9" dur="1" fill="hold">
+                                          <p:stCondLst>
+                                            <p:cond delay="0"/>
+                                          </p:stCondLst>
+                                        </p:cTn>
+                                        <p:tgtEl>
+                                          <p:spTgt spid="5">
+                                            <p:txEl>
+                                              <p:pRg st="1" end="1"/>
+                                            </p:txEl>
+                                          </p:spTgt>
+                                        </p:tgtEl>
+                                        <p:attrNameLst>
+                                          <p:attrName>style.visibility</p:attrName>
+                                        </p:attrNameLst>
+                                      </p:cBhvr>
+                                      <p:to>
+                                        <p:strVal val="visible"/>
+                                      </p:to>
+                                    </p:set>
+                                    <p:animEffect transition="in" filter="fade">
+                                      <p:cBhvr>
+                                        <p:cTn id="10" dur="500"/>
+                                        <p:tgtEl>
+                                          <p:spTgt spid="5">
+                                            <p:txEl>
+                                              <p:pRg st="1" end="1"/>
+                                            </p:txEl>
+                                          </p:spTgt>
+                                        </p:tgtEl>
+                                      </p:cBhvr>
+                                    </p:animEffect>
+                                  </p:childTnLst>
+                                </p:cTn>
+                              </p:par>
+                              <p:par>
+                                <p:cTn id="11" presetID="10" presetClass="entr" presetSubtype="0" fill="hold" grpId="0" nodeType="withEffect">
+                                  <p:stCondLst>
+                                    <p:cond delay="0"/>
+                                  </p:stCondLst>
+                                  <p:childTnLst>
+                                    <p:set>
+                                      <p:cBhvr>
+                                        <p:cTn id="12" dur="1" fill="hold">
+                                          <p:stCondLst>
+                                            <p:cond delay="0"/>
+                                          </p:stCondLst>
+                                        </p:cTn>
+                                        <p:tgtEl>
+                                          <p:spTgt spid="5">
+                                            <p:txEl>
+                                              <p:pRg st="2" end="2"/>
+                                            </p:txEl>
+                                          </p:spTgt>
+                                        </p:tgtEl>
+                                        <p:attrNameLst>
+                                          <p:attrName>style.visibility</p:attrName>
+                                        </p:attrNameLst>
+                                      </p:cBhvr>
+                                      <p:to>
+                                        <p:strVal val="visible"/>
+                                      </p:to>
+                                    </p:set>
+                                    <p:animEffect transition="in" filter="fade">
+                                      <p:cBhvr>
+                                        <p:cTn id="13" dur="500"/>
+                                        <p:tgtEl>
+                                          <p:spTgt spid="5">
+                                            <p:txEl>
+                                              <p:pRg st="2" end="2"/>
+                                            </p:txEl>
+                                          </p:spTgt>
+                                        </p:tgtEl>
+                                      </p:cBhvr>
+                                    </p:animEffect>
+                                  </p:childTnLst>
+                                </p:cTn>
+                              </p:par>
+                            </p:childTnLst>
+                          </p:cTn>
+                        </p:par>
+                      </p:childTnLst>
+                    </p:cTn>
+                  </p:par>
+                  <p:par>
+                    <p:cTn id="14" fill="hold">
+                      <p:stCondLst>
+                        <p:cond delay="indefinite"/>
+                      </p:stCondLst>
+                      <p:childTnLst>
+                        <p:par>
+                          <p:cTn id="15" fill="hold">
+                            <p:stCondLst>
+                              <p:cond delay="0"/>
+                            </p:stCondLst>
+                            <p:childTnLst>
+                              <p:par>
+                                <p:cTn id="16" presetID="10" presetClass="entr" presetSubtype="0" fill="hold" grpId="0" nodeType="clickEffect">
+                                  <p:stCondLst>
+                                    <p:cond delay="0"/>
+                                  </p:stCondLst>
+                                  <p:childTnLst>
+                                    <p:set>
+                                      <p:cBhvr>
+                                        <p:cTn id="17" dur="1" fill="hold">
+                                          <p:stCondLst>
+                                            <p:cond delay="0"/>
+                                          </p:stCondLst>
+                                        </p:cTn>
+                                        <p:tgtEl>
+                                          <p:spTgt spid="5">
+                                            <p:txEl>
+                                              <p:pRg st="3" end="3"/>
+                                            </p:txEl>
+                                          </p:spTgt>
+                                        </p:tgtEl>
+                                        <p:attrNameLst>
+                                          <p:attrName>style.visibility</p:attrName>
+                                        </p:attrNameLst>
+                                      </p:cBhvr>
+                                      <p:to>
+                                        <p:strVal val="visible"/>
+                                      </p:to>
+                                    </p:set>
+                                    <p:animEffect transition="in" filter="fade">
+                                      <p:cBhvr>
+                                        <p:cTn id="18" dur="500"/>
+                                        <p:tgtEl>
+                                          <p:spTgt spid="5">
+                                            <p:txEl>
+                                              <p:pRg st="3" end="3"/>
+                                            </p:txEl>
+                                          </p:spTgt>
+                                        </p:tgtEl>
+                                      </p:cBhvr>
+                                    </p:animEffect>
+                                  </p:childTnLst>
+                                </p:cTn>
+                              </p:par>
+                            </p:childTnLst>
+                          </p:cTn>
+                        </p:par>
+                      </p:childTnLst>
+                    </p:cTn>
+                  </p:par>
+                </p:childTnLst>
+              </p:cTn>
+              <p:prevCondLst>
+                <p:cond evt="onPrev" delay="0">
+                  <p:tgtEl>
+                    <p:sldTgt/>
+                  </p:tgtEl>
+                </p:cond>
+              </p:prevCondLst>
+              <p:nextCondLst>
+                <p:cond evt="onNext" delay="0">
+                  <p:tgtEl>
+                    <p:sldTgt/>
+                  </p:tgtEl>
+                </p:cond>
+              </p:nextCondLst>
+            </p:seq>
+          </p:childTnLst>
+        </p:cTn>
+      </p:par>
+    </p:tnLst>
+    <p:bldLst>
+      <p:bldP spid="5" grpId="0" build="p"/>
+    </p:bldLst>
+  </p:timing>
 </p:sld>
 </file>
 
@@ -8834,6 +11343,13 @@
   <p:clrMapOvr>
     <a:masterClrMapping/>
   </p:clrMapOvr>
+  <p:timing>
+    <p:tnLst>
+      <p:par>
+        <p:cTn id="1" dur="indefinite" restart="never" nodeType="tmRoot"/>
+      </p:par>
+    </p:tnLst>
+  </p:timing>
 </p:sld>
 </file>
 
@@ -8930,6 +11446,247 @@
   <p:clrMapOvr>
     <a:masterClrMapping/>
   </p:clrMapOvr>
+  <p:timing>
+    <p:tnLst>
+      <p:par>
+        <p:cTn id="1" dur="indefinite" restart="never" nodeType="tmRoot">
+          <p:childTnLst>
+            <p:seq concurrent="1" nextAc="seek">
+              <p:cTn id="2" dur="indefinite" nodeType="mainSeq">
+                <p:childTnLst>
+                  <p:par>
+                    <p:cTn id="3" fill="hold">
+                      <p:stCondLst>
+                        <p:cond delay="indefinite"/>
+                      </p:stCondLst>
+                      <p:childTnLst>
+                        <p:par>
+                          <p:cTn id="4" fill="hold">
+                            <p:stCondLst>
+                              <p:cond delay="0"/>
+                            </p:stCondLst>
+                            <p:childTnLst>
+                              <p:par>
+                                <p:cTn id="5" presetID="10" presetClass="entr" presetSubtype="0" fill="hold" grpId="0" nodeType="clickEffect">
+                                  <p:stCondLst>
+                                    <p:cond delay="0"/>
+                                  </p:stCondLst>
+                                  <p:childTnLst>
+                                    <p:set>
+                                      <p:cBhvr>
+                                        <p:cTn id="6" dur="1" fill="hold">
+                                          <p:stCondLst>
+                                            <p:cond delay="0"/>
+                                          </p:stCondLst>
+                                        </p:cTn>
+                                        <p:tgtEl>
+                                          <p:spTgt spid="3">
+                                            <p:txEl>
+                                              <p:pRg st="0" end="0"/>
+                                            </p:txEl>
+                                          </p:spTgt>
+                                        </p:tgtEl>
+                                        <p:attrNameLst>
+                                          <p:attrName>style.visibility</p:attrName>
+                                        </p:attrNameLst>
+                                      </p:cBhvr>
+                                      <p:to>
+                                        <p:strVal val="visible"/>
+                                      </p:to>
+                                    </p:set>
+                                    <p:animEffect transition="in" filter="fade">
+                                      <p:cBhvr>
+                                        <p:cTn id="7" dur="500"/>
+                                        <p:tgtEl>
+                                          <p:spTgt spid="3">
+                                            <p:txEl>
+                                              <p:pRg st="0" end="0"/>
+                                            </p:txEl>
+                                          </p:spTgt>
+                                        </p:tgtEl>
+                                      </p:cBhvr>
+                                    </p:animEffect>
+                                  </p:childTnLst>
+                                </p:cTn>
+                              </p:par>
+                              <p:par>
+                                <p:cTn id="8" presetID="10" presetClass="entr" presetSubtype="0" fill="hold" grpId="0" nodeType="withEffect">
+                                  <p:stCondLst>
+                                    <p:cond delay="0"/>
+                                  </p:stCondLst>
+                                  <p:childTnLst>
+                                    <p:set>
+                                      <p:cBhvr>
+                                        <p:cTn id="9" dur="1" fill="hold">
+                                          <p:stCondLst>
+                                            <p:cond delay="0"/>
+                                          </p:stCondLst>
+                                        </p:cTn>
+                                        <p:tgtEl>
+                                          <p:spTgt spid="3">
+                                            <p:txEl>
+                                              <p:pRg st="1" end="1"/>
+                                            </p:txEl>
+                                          </p:spTgt>
+                                        </p:tgtEl>
+                                        <p:attrNameLst>
+                                          <p:attrName>style.visibility</p:attrName>
+                                        </p:attrNameLst>
+                                      </p:cBhvr>
+                                      <p:to>
+                                        <p:strVal val="visible"/>
+                                      </p:to>
+                                    </p:set>
+                                    <p:animEffect transition="in" filter="fade">
+                                      <p:cBhvr>
+                                        <p:cTn id="10" dur="500"/>
+                                        <p:tgtEl>
+                                          <p:spTgt spid="3">
+                                            <p:txEl>
+                                              <p:pRg st="1" end="1"/>
+                                            </p:txEl>
+                                          </p:spTgt>
+                                        </p:tgtEl>
+                                      </p:cBhvr>
+                                    </p:animEffect>
+                                  </p:childTnLst>
+                                </p:cTn>
+                              </p:par>
+                            </p:childTnLst>
+                          </p:cTn>
+                        </p:par>
+                      </p:childTnLst>
+                    </p:cTn>
+                  </p:par>
+                  <p:par>
+                    <p:cTn id="11" fill="hold">
+                      <p:stCondLst>
+                        <p:cond delay="indefinite"/>
+                      </p:stCondLst>
+                      <p:childTnLst>
+                        <p:par>
+                          <p:cTn id="12" fill="hold">
+                            <p:stCondLst>
+                              <p:cond delay="0"/>
+                            </p:stCondLst>
+                            <p:childTnLst>
+                              <p:par>
+                                <p:cTn id="13" presetID="10" presetClass="entr" presetSubtype="0" fill="hold" grpId="0" nodeType="clickEffect">
+                                  <p:stCondLst>
+                                    <p:cond delay="0"/>
+                                  </p:stCondLst>
+                                  <p:childTnLst>
+                                    <p:set>
+                                      <p:cBhvr>
+                                        <p:cTn id="14" dur="1" fill="hold">
+                                          <p:stCondLst>
+                                            <p:cond delay="0"/>
+                                          </p:stCondLst>
+                                        </p:cTn>
+                                        <p:tgtEl>
+                                          <p:spTgt spid="3">
+                                            <p:txEl>
+                                              <p:pRg st="2" end="2"/>
+                                            </p:txEl>
+                                          </p:spTgt>
+                                        </p:tgtEl>
+                                        <p:attrNameLst>
+                                          <p:attrName>style.visibility</p:attrName>
+                                        </p:attrNameLst>
+                                      </p:cBhvr>
+                                      <p:to>
+                                        <p:strVal val="visible"/>
+                                      </p:to>
+                                    </p:set>
+                                    <p:animEffect transition="in" filter="fade">
+                                      <p:cBhvr>
+                                        <p:cTn id="15" dur="500"/>
+                                        <p:tgtEl>
+                                          <p:spTgt spid="3">
+                                            <p:txEl>
+                                              <p:pRg st="2" end="2"/>
+                                            </p:txEl>
+                                          </p:spTgt>
+                                        </p:tgtEl>
+                                      </p:cBhvr>
+                                    </p:animEffect>
+                                  </p:childTnLst>
+                                </p:cTn>
+                              </p:par>
+                              <p:par>
+                                <p:cTn id="16" presetID="10" presetClass="entr" presetSubtype="0" fill="hold" grpId="0" nodeType="withEffect">
+                                  <p:stCondLst>
+                                    <p:cond delay="0"/>
+                                  </p:stCondLst>
+                                  <p:childTnLst>
+                                    <p:set>
+                                      <p:cBhvr>
+                                        <p:cTn id="17" dur="1" fill="hold">
+                                          <p:stCondLst>
+                                            <p:cond delay="0"/>
+                                          </p:stCondLst>
+                                        </p:cTn>
+                                        <p:tgtEl>
+                                          <p:spTgt spid="3">
+                                            <p:txEl>
+                                              <p:pRg st="3" end="3"/>
+                                            </p:txEl>
+                                          </p:spTgt>
+                                        </p:tgtEl>
+                                        <p:attrNameLst>
+                                          <p:attrName>style.visibility</p:attrName>
+                                        </p:attrNameLst>
+                                      </p:cBhvr>
+                                      <p:to>
+                                        <p:strVal val="visible"/>
+                                      </p:to>
+                                    </p:set>
+                                    <p:animEffect transition="in" filter="fade">
+                                      <p:cBhvr>
+                                        <p:cTn id="18" dur="500"/>
+                                        <p:tgtEl>
+                                          <p:spTgt spid="3">
+                                            <p:txEl>
+                                              <p:pRg st="3" end="3"/>
+                                            </p:txEl>
+                                          </p:spTgt>
+                                        </p:tgtEl>
+                                      </p:cBhvr>
+                                    </p:animEffect>
+                                  </p:childTnLst>
+                                </p:cTn>
+                              </p:par>
+                            </p:childTnLst>
+                          </p:cTn>
+                        </p:par>
+                      </p:childTnLst>
+                    </p:cTn>
+                  </p:par>
+                </p:childTnLst>
+              </p:cTn>
+              <p:prevCondLst>
+                <p:cond evt="onPrev" delay="0">
+                  <p:tgtEl>
+                    <p:sldTgt/>
+                  </p:tgtEl>
+                </p:cond>
+              </p:prevCondLst>
+              <p:nextCondLst>
+                <p:cond evt="onNext" delay="0">
+                  <p:tgtEl>
+                    <p:sldTgt/>
+                  </p:tgtEl>
+                </p:cond>
+              </p:nextCondLst>
+            </p:seq>
+          </p:childTnLst>
+        </p:cTn>
+      </p:par>
+    </p:tnLst>
+    <p:bldLst>
+      <p:bldP spid="3" grpId="0" build="p"/>
+    </p:bldLst>
+  </p:timing>
 </p:sld>
 </file>
 
@@ -9084,6 +11841,96 @@
   <p:clrMapOvr>
     <a:masterClrMapping/>
   </p:clrMapOvr>
+  <p:timing>
+    <p:tnLst>
+      <p:par>
+        <p:cTn id="1" dur="indefinite" restart="never" nodeType="tmRoot"/>
+      </p:par>
+    </p:tnLst>
+  </p:timing>
+</p:sld>
+</file>
+
+<file path=ppt/slides/slide26.xml><?xml version="1.0" encoding="utf-8"?>
+<p:sld xmlns:a="http://schemas.openxmlformats.org/drawingml/2006/main" xmlns:r="http://schemas.openxmlformats.org/officeDocument/2006/relationships" xmlns:p="http://schemas.openxmlformats.org/presentationml/2006/main">
+  <p:cSld>
+    <p:spTree>
+      <p:nvGrpSpPr>
+        <p:cNvPr id="1" name=""/>
+        <p:cNvGrpSpPr/>
+        <p:nvPr/>
+      </p:nvGrpSpPr>
+      <p:grpSpPr>
+        <a:xfrm>
+          <a:off x="0" y="0"/>
+          <a:ext cx="0" cy="0"/>
+          <a:chOff x="0" y="0"/>
+          <a:chExt cx="0" cy="0"/>
+        </a:xfrm>
+      </p:grpSpPr>
+      <p:sp>
+        <p:nvSpPr>
+          <p:cNvPr id="7" name="Title 6"/>
+          <p:cNvSpPr>
+            <a:spLocks noGrp="1"/>
+          </p:cNvSpPr>
+          <p:nvPr>
+            <p:ph type="title"/>
+          </p:nvPr>
+        </p:nvSpPr>
+        <p:spPr/>
+        <p:txBody>
+          <a:bodyPr/>
+          <a:lstStyle/>
+          <a:p>
+            <a:r>
+              <a:rPr lang="ru-RU" dirty="0" smtClean="0"/>
+              <a:t>Спасибо </a:t>
+            </a:r>
+            <a:r>
+              <a:rPr lang="ru-RU" smtClean="0"/>
+              <a:t>за внимание</a:t>
+            </a:r>
+            <a:endParaRPr lang="ru-RU" dirty="0"/>
+          </a:p>
+        </p:txBody>
+      </p:sp>
+      <p:sp>
+        <p:nvSpPr>
+          <p:cNvPr id="8" name="Text Placeholder 7"/>
+          <p:cNvSpPr>
+            <a:spLocks noGrp="1"/>
+          </p:cNvSpPr>
+          <p:nvPr>
+            <p:ph type="body" idx="1"/>
+          </p:nvPr>
+        </p:nvSpPr>
+        <p:spPr/>
+        <p:txBody>
+          <a:bodyPr/>
+          <a:lstStyle/>
+          <a:p>
+            <a:endParaRPr lang="ru-RU"/>
+          </a:p>
+        </p:txBody>
+      </p:sp>
+    </p:spTree>
+    <p:extLst>
+      <p:ext uri="{BB962C8B-B14F-4D97-AF65-F5344CB8AC3E}">
+        <p14:creationId xmlns:p14="http://schemas.microsoft.com/office/powerpoint/2010/main" val="1151903260"/>
+      </p:ext>
+    </p:extLst>
+  </p:cSld>
+  <p:clrMapOvr>
+    <a:masterClrMapping/>
+  </p:clrMapOvr>
+  <p:timing>
+    <p:tnLst>
+      <p:par>
+        <p:cTn id="1" dur="indefinite" restart="never" nodeType="tmRoot"/>
+      </p:par>
+    </p:tnLst>
+  </p:timing>
 </p:sld>
 </file>
 
@@ -10280,6 +13127,13 @@
   <p:clrMapOvr>
     <a:masterClrMapping/>
   </p:clrMapOvr>
+  <p:timing>
+    <p:tnLst>
+      <p:par>
+        <p:cTn id="1" dur="indefinite" restart="never" nodeType="tmRoot"/>
+      </p:par>
+    </p:tnLst>
+  </p:timing>
 </p:sld>
 </file>
 
@@ -11779,6 +14633,13 @@
   <p:clrMapOvr>
     <a:masterClrMapping/>
   </p:clrMapOvr>
+  <p:timing>
+    <p:tnLst>
+      <p:par>
+        <p:cTn id="1" dur="indefinite" restart="never" nodeType="tmRoot"/>
+      </p:par>
+    </p:tnLst>
+  </p:timing>
 </p:sld>
 </file>
 

--- a/lectures/07.adapter/adapter.pptx
+++ b/lectures/07.adapter/adapter.pptx
@@ -5,7 +5,7 @@
     <p:sldMasterId id="2147483672" r:id="rId1"/>
   </p:sldMasterIdLst>
   <p:notesMasterIdLst>
-    <p:notesMasterId r:id="rId28"/>
+    <p:notesMasterId r:id="rId32"/>
   </p:notesMasterIdLst>
   <p:sldIdLst>
     <p:sldId id="256" r:id="rId2"/>
@@ -33,12 +33,16 @@
     <p:sldId id="261" r:id="rId24"/>
     <p:sldId id="271" r:id="rId25"/>
     <p:sldId id="272" r:id="rId26"/>
-    <p:sldId id="282" r:id="rId27"/>
+    <p:sldId id="283" r:id="rId27"/>
+    <p:sldId id="284" r:id="rId28"/>
+    <p:sldId id="285" r:id="rId29"/>
+    <p:sldId id="286" r:id="rId30"/>
+    <p:sldId id="282" r:id="rId31"/>
   </p:sldIdLst>
   <p:sldSz cx="9144000" cy="6858000" type="screen4x3"/>
   <p:notesSz cx="6858000" cy="9144000"/>
   <p:custDataLst>
-    <p:tags r:id="rId29"/>
+    <p:tags r:id="rId33"/>
   </p:custDataLst>
   <p:defaultTextStyle>
     <a:defPPr>
@@ -236,7 +240,7 @@
           <a:p>
             <a:fld id="{2F3DCB6D-0B48-4A3D-B663-06C3F903A9D3}" type="datetimeFigureOut">
               <a:rPr lang="ru-RU" smtClean="0"/>
-              <a:t>08.10.2020</a:t>
+              <a:t>13.10.2023</a:t>
             </a:fld>
             <a:endParaRPr lang="ru-RU"/>
           </a:p>
@@ -917,7 +921,7 @@
           <a:p>
             <a:fld id="{2590F9C9-AB92-4E86-B698-DEC9BF4350FF}" type="datetimeFigureOut">
               <a:rPr lang="ru-RU" smtClean="0"/>
-              <a:t>08.10.2020</a:t>
+              <a:t>13.10.2023</a:t>
             </a:fld>
             <a:endParaRPr lang="ru-RU"/>
           </a:p>
@@ -1134,7 +1138,7 @@
           <a:p>
             <a:fld id="{2590F9C9-AB92-4E86-B698-DEC9BF4350FF}" type="datetimeFigureOut">
               <a:rPr lang="ru-RU" smtClean="0"/>
-              <a:t>08.10.2020</a:t>
+              <a:t>13.10.2023</a:t>
             </a:fld>
             <a:endParaRPr lang="ru-RU"/>
           </a:p>
@@ -1406,7 +1410,7 @@
           <a:p>
             <a:fld id="{2590F9C9-AB92-4E86-B698-DEC9BF4350FF}" type="datetimeFigureOut">
               <a:rPr lang="ru-RU" smtClean="0"/>
-              <a:t>08.10.2020</a:t>
+              <a:t>13.10.2023</a:t>
             </a:fld>
             <a:endParaRPr lang="ru-RU"/>
           </a:p>
@@ -1581,7 +1585,7 @@
           <a:p>
             <a:fld id="{2590F9C9-AB92-4E86-B698-DEC9BF4350FF}" type="datetimeFigureOut">
               <a:rPr lang="ru-RU" smtClean="0"/>
-              <a:t>08.10.2020</a:t>
+              <a:t>13.10.2023</a:t>
             </a:fld>
             <a:endParaRPr lang="ru-RU"/>
           </a:p>
@@ -1935,7 +1939,7 @@
           <a:p>
             <a:fld id="{2590F9C9-AB92-4E86-B698-DEC9BF4350FF}" type="datetimeFigureOut">
               <a:rPr lang="ru-RU" smtClean="0"/>
-              <a:t>08.10.2020</a:t>
+              <a:t>13.10.2023</a:t>
             </a:fld>
             <a:endParaRPr lang="ru-RU"/>
           </a:p>
@@ -2220,7 +2224,7 @@
           <a:p>
             <a:fld id="{2590F9C9-AB92-4E86-B698-DEC9BF4350FF}" type="datetimeFigureOut">
               <a:rPr lang="ru-RU" smtClean="0"/>
-              <a:t>08.10.2020</a:t>
+              <a:t>13.10.2023</a:t>
             </a:fld>
             <a:endParaRPr lang="ru-RU"/>
           </a:p>
@@ -2642,7 +2646,7 @@
           <a:p>
             <a:fld id="{2590F9C9-AB92-4E86-B698-DEC9BF4350FF}" type="datetimeFigureOut">
               <a:rPr lang="ru-RU" smtClean="0"/>
-              <a:t>08.10.2020</a:t>
+              <a:t>13.10.2023</a:t>
             </a:fld>
             <a:endParaRPr lang="ru-RU"/>
           </a:p>
@@ -2755,7 +2759,7 @@
           <a:p>
             <a:fld id="{2590F9C9-AB92-4E86-B698-DEC9BF4350FF}" type="datetimeFigureOut">
               <a:rPr lang="ru-RU" smtClean="0"/>
-              <a:t>08.10.2020</a:t>
+              <a:t>13.10.2023</a:t>
             </a:fld>
             <a:endParaRPr lang="ru-RU"/>
           </a:p>
@@ -2845,7 +2849,7 @@
           <a:p>
             <a:fld id="{2590F9C9-AB92-4E86-B698-DEC9BF4350FF}" type="datetimeFigureOut">
               <a:rPr lang="ru-RU" smtClean="0"/>
-              <a:t>08.10.2020</a:t>
+              <a:t>13.10.2023</a:t>
             </a:fld>
             <a:endParaRPr lang="ru-RU"/>
           </a:p>
@@ -3123,7 +3127,7 @@
           <a:p>
             <a:fld id="{2590F9C9-AB92-4E86-B698-DEC9BF4350FF}" type="datetimeFigureOut">
               <a:rPr lang="ru-RU" smtClean="0"/>
-              <a:t>08.10.2020</a:t>
+              <a:t>13.10.2023</a:t>
             </a:fld>
             <a:endParaRPr lang="ru-RU"/>
           </a:p>
@@ -3485,7 +3489,7 @@
           <a:p>
             <a:fld id="{2590F9C9-AB92-4E86-B698-DEC9BF4350FF}" type="datetimeFigureOut">
               <a:rPr lang="ru-RU" smtClean="0"/>
-              <a:t>08.10.2020</a:t>
+              <a:t>13.10.2023</a:t>
             </a:fld>
             <a:endParaRPr lang="ru-RU"/>
           </a:p>
@@ -3910,7 +3914,7 @@
           <a:p>
             <a:fld id="{2590F9C9-AB92-4E86-B698-DEC9BF4350FF}" type="datetimeFigureOut">
               <a:rPr lang="ru-RU" smtClean="0"/>
-              <a:t>08.10.2020</a:t>
+              <a:t>13.10.2023</a:t>
             </a:fld>
             <a:endParaRPr lang="ru-RU"/>
           </a:p>
@@ -4332,10 +4336,9 @@
           <a:lstStyle/>
           <a:p>
             <a:r>
-              <a:rPr lang="ru-RU" dirty="0" smtClean="0"/>
+              <a:rPr lang="ru-RU" dirty="0"/>
               <a:t>Адаптер</a:t>
             </a:r>
-            <a:endParaRPr lang="ru-RU" dirty="0"/>
           </a:p>
         </p:txBody>
       </p:sp>
@@ -4368,13 +4371,6 @@
   <p:clrMapOvr>
     <a:masterClrMapping/>
   </p:clrMapOvr>
-  <p:timing>
-    <p:tnLst>
-      <p:par>
-        <p:cTn id="1" dur="indefinite" restart="never" nodeType="tmRoot"/>
-      </p:par>
-    </p:tnLst>
-  </p:timing>
 </p:sld>
 </file>
 
@@ -4462,13 +4458,6 @@
   <p:clrMapOvr>
     <a:masterClrMapping/>
   </p:clrMapOvr>
-  <p:timing>
-    <p:tnLst>
-      <p:par>
-        <p:cTn id="1" dur="indefinite" restart="never" nodeType="tmRoot"/>
-      </p:par>
-    </p:tnLst>
-  </p:timing>
 </p:sld>
 </file>
 
@@ -6736,13 +6725,6 @@
   <p:clrMapOvr>
     <a:masterClrMapping/>
   </p:clrMapOvr>
-  <p:timing>
-    <p:tnLst>
-      <p:par>
-        <p:cTn id="1" dur="indefinite" restart="never" nodeType="tmRoot"/>
-      </p:par>
-    </p:tnLst>
-  </p:timing>
 </p:sld>
 </file>
 
@@ -7176,13 +7158,6 @@
   <p:clrMapOvr>
     <a:masterClrMapping/>
   </p:clrMapOvr>
-  <p:timing>
-    <p:tnLst>
-      <p:par>
-        <p:cTn id="1" dur="indefinite" restart="never" nodeType="tmRoot"/>
-      </p:par>
-    </p:tnLst>
-  </p:timing>
 </p:sld>
 </file>
 
@@ -9504,13 +9479,6 @@
   <p:clrMapOvr>
     <a:masterClrMapping/>
   </p:clrMapOvr>
-  <p:timing>
-    <p:tnLst>
-      <p:par>
-        <p:cTn id="1" dur="indefinite" restart="never" nodeType="tmRoot"/>
-      </p:par>
-    </p:tnLst>
-  </p:timing>
 </p:sld>
 </file>
 
@@ -9550,7 +9518,7 @@
           <a:p>
             <a:r>
               <a:rPr lang="ru-RU" dirty="0"/>
-              <a:t>Решение – передавать массив </a:t>
+              <a:t>Передавать массив </a:t>
             </a:r>
             <a:r>
               <a:rPr lang="en-US" dirty="0" err="1"/>
@@ -9562,28 +9530,75 @@
       </p:sp>
       <p:pic>
         <p:nvPicPr>
-          <p:cNvPr id="6" name="Рисунок 5"/>
+          <p:cNvPr id="3" name="Picture 2">
+            <a:extLst>
+              <a:ext uri="{FF2B5EF4-FFF2-40B4-BE49-F238E27FC236}">
+                <a16:creationId xmlns:a16="http://schemas.microsoft.com/office/drawing/2014/main" id="{E75971C7-396D-453E-9FF6-A4DF6BF90D8D}"/>
+              </a:ext>
+            </a:extLst>
+          </p:cNvPr>
           <p:cNvPicPr>
             <a:picLocks noChangeAspect="1"/>
           </p:cNvPicPr>
           <p:nvPr/>
         </p:nvPicPr>
         <p:blipFill>
-          <a:blip r:embed="rId2"/>
+          <a:blip r:embed="rId2">
+            <a:extLst>
+              <a:ext uri="{28A0092B-C50C-407E-A947-70E740481C1C}">
+                <a14:useLocalDpi xmlns:a14="http://schemas.microsoft.com/office/drawing/2010/main" val="0"/>
+              </a:ext>
+            </a:extLst>
+          </a:blip>
           <a:stretch>
             <a:fillRect/>
           </a:stretch>
         </p:blipFill>
         <p:spPr>
           <a:xfrm>
-            <a:off x="971600" y="2060848"/>
-            <a:ext cx="7480589" cy="4199164"/>
+            <a:off x="251520" y="1772816"/>
+            <a:ext cx="7236296" cy="4827846"/>
           </a:xfrm>
           <a:prstGeom prst="rect">
             <a:avLst/>
           </a:prstGeom>
         </p:spPr>
       </p:pic>
+      <p:sp>
+        <p:nvSpPr>
+          <p:cNvPr id="5" name="TextBox 4">
+            <a:extLst>
+              <a:ext uri="{FF2B5EF4-FFF2-40B4-BE49-F238E27FC236}">
+                <a16:creationId xmlns:a16="http://schemas.microsoft.com/office/drawing/2014/main" id="{AC4B1361-F11C-44D4-9C5E-03376B617A92}"/>
+              </a:ext>
+            </a:extLst>
+          </p:cNvPr>
+          <p:cNvSpPr txBox="1"/>
+          <p:nvPr/>
+        </p:nvSpPr>
+        <p:spPr>
+          <a:xfrm>
+            <a:off x="6948264" y="5589240"/>
+            <a:ext cx="2386608" cy="369332"/>
+          </a:xfrm>
+          <a:prstGeom prst="rect">
+            <a:avLst/>
+          </a:prstGeom>
+          <a:noFill/>
+        </p:spPr>
+        <p:txBody>
+          <a:bodyPr wrap="square" rtlCol="0">
+            <a:spAutoFit/>
+          </a:bodyPr>
+          <a:lstStyle/>
+          <a:p>
+            <a:r>
+              <a:rPr lang="ru-RU" b="1" dirty="0"/>
+              <a:t>Покритикуйте его</a:t>
+            </a:r>
+          </a:p>
+        </p:txBody>
+      </p:sp>
     </p:spTree>
     <p:extLst>
       <p:ext uri="{BB962C8B-B14F-4D97-AF65-F5344CB8AC3E}">
@@ -9594,13 +9609,6 @@
   <p:clrMapOvr>
     <a:masterClrMapping/>
   </p:clrMapOvr>
-  <p:timing>
-    <p:tnLst>
-      <p:par>
-        <p:cTn id="1" dur="indefinite" restart="never" nodeType="tmRoot"/>
-      </p:par>
-    </p:tnLst>
-  </p:timing>
 </p:sld>
 </file>
 
@@ -10927,7 +10935,10 @@
           <a:bodyPr/>
           <a:lstStyle/>
           <a:p>
-            <a:endParaRPr lang="ru-RU" dirty="0"/>
+            <a:r>
+              <a:rPr lang="ru-RU" dirty="0"/>
+              <a:t>Анализ решения</a:t>
+            </a:r>
           </a:p>
         </p:txBody>
       </p:sp>
@@ -11343,13 +11354,6 @@
   <p:clrMapOvr>
     <a:masterClrMapping/>
   </p:clrMapOvr>
-  <p:timing>
-    <p:tnLst>
-      <p:par>
-        <p:cTn id="1" dur="indefinite" restart="never" nodeType="tmRoot"/>
-      </p:par>
-    </p:tnLst>
-  </p:timing>
 </p:sld>
 </file>
 
@@ -11726,7 +11730,7 @@
           <a:p>
             <a:r>
               <a:rPr lang="ru-RU" dirty="0"/>
-              <a:t>Сравнение паттернов Адаптер и Декоратор</a:t>
+              <a:t>Сравнение Адаптера и Декоратора</a:t>
             </a:r>
           </a:p>
         </p:txBody>
@@ -11844,7 +11848,274 @@
   <p:timing>
     <p:tnLst>
       <p:par>
-        <p:cTn id="1" dur="indefinite" restart="never" nodeType="tmRoot"/>
+        <p:cTn id="1" dur="indefinite" restart="never" nodeType="tmRoot">
+          <p:childTnLst>
+            <p:seq concurrent="1" nextAc="seek">
+              <p:cTn id="2" dur="indefinite" nodeType="mainSeq">
+                <p:childTnLst>
+                  <p:par>
+                    <p:cTn id="3" fill="hold">
+                      <p:stCondLst>
+                        <p:cond delay="indefinite"/>
+                      </p:stCondLst>
+                      <p:childTnLst>
+                        <p:par>
+                          <p:cTn id="4" fill="hold">
+                            <p:stCondLst>
+                              <p:cond delay="0"/>
+                            </p:stCondLst>
+                            <p:childTnLst>
+                              <p:par>
+                                <p:cTn id="5" presetID="10" presetClass="entr" presetSubtype="0" fill="hold" nodeType="clickEffect">
+                                  <p:stCondLst>
+                                    <p:cond delay="0"/>
+                                  </p:stCondLst>
+                                  <p:childTnLst>
+                                    <p:set>
+                                      <p:cBhvr>
+                                        <p:cTn id="6" dur="1" fill="hold">
+                                          <p:stCondLst>
+                                            <p:cond delay="0"/>
+                                          </p:stCondLst>
+                                        </p:cTn>
+                                        <p:tgtEl>
+                                          <p:spTgt spid="5">
+                                            <p:txEl>
+                                              <p:pRg st="0" end="0"/>
+                                            </p:txEl>
+                                          </p:spTgt>
+                                        </p:tgtEl>
+                                        <p:attrNameLst>
+                                          <p:attrName>style.visibility</p:attrName>
+                                        </p:attrNameLst>
+                                      </p:cBhvr>
+                                      <p:to>
+                                        <p:strVal val="visible"/>
+                                      </p:to>
+                                    </p:set>
+                                    <p:animEffect transition="in" filter="fade">
+                                      <p:cBhvr>
+                                        <p:cTn id="7" dur="500"/>
+                                        <p:tgtEl>
+                                          <p:spTgt spid="5">
+                                            <p:txEl>
+                                              <p:pRg st="0" end="0"/>
+                                            </p:txEl>
+                                          </p:spTgt>
+                                        </p:tgtEl>
+                                      </p:cBhvr>
+                                    </p:animEffect>
+                                  </p:childTnLst>
+                                </p:cTn>
+                              </p:par>
+                            </p:childTnLst>
+                          </p:cTn>
+                        </p:par>
+                      </p:childTnLst>
+                    </p:cTn>
+                  </p:par>
+                  <p:par>
+                    <p:cTn id="8" fill="hold">
+                      <p:stCondLst>
+                        <p:cond delay="indefinite"/>
+                      </p:stCondLst>
+                      <p:childTnLst>
+                        <p:par>
+                          <p:cTn id="9" fill="hold">
+                            <p:stCondLst>
+                              <p:cond delay="0"/>
+                            </p:stCondLst>
+                            <p:childTnLst>
+                              <p:par>
+                                <p:cTn id="10" presetID="10" presetClass="entr" presetSubtype="0" fill="hold" nodeType="clickEffect">
+                                  <p:stCondLst>
+                                    <p:cond delay="0"/>
+                                  </p:stCondLst>
+                                  <p:childTnLst>
+                                    <p:set>
+                                      <p:cBhvr>
+                                        <p:cTn id="11" dur="1" fill="hold">
+                                          <p:stCondLst>
+                                            <p:cond delay="0"/>
+                                          </p:stCondLst>
+                                        </p:cTn>
+                                        <p:tgtEl>
+                                          <p:spTgt spid="7">
+                                            <p:txEl>
+                                              <p:pRg st="0" end="0"/>
+                                            </p:txEl>
+                                          </p:spTgt>
+                                        </p:tgtEl>
+                                        <p:attrNameLst>
+                                          <p:attrName>style.visibility</p:attrName>
+                                        </p:attrNameLst>
+                                      </p:cBhvr>
+                                      <p:to>
+                                        <p:strVal val="visible"/>
+                                      </p:to>
+                                    </p:set>
+                                    <p:animEffect transition="in" filter="fade">
+                                      <p:cBhvr>
+                                        <p:cTn id="12" dur="500"/>
+                                        <p:tgtEl>
+                                          <p:spTgt spid="7">
+                                            <p:txEl>
+                                              <p:pRg st="0" end="0"/>
+                                            </p:txEl>
+                                          </p:spTgt>
+                                        </p:tgtEl>
+                                      </p:cBhvr>
+                                    </p:animEffect>
+                                  </p:childTnLst>
+                                </p:cTn>
+                              </p:par>
+                            </p:childTnLst>
+                          </p:cTn>
+                        </p:par>
+                      </p:childTnLst>
+                    </p:cTn>
+                  </p:par>
+                  <p:par>
+                    <p:cTn id="13" fill="hold">
+                      <p:stCondLst>
+                        <p:cond delay="indefinite"/>
+                      </p:stCondLst>
+                      <p:childTnLst>
+                        <p:par>
+                          <p:cTn id="14" fill="hold">
+                            <p:stCondLst>
+                              <p:cond delay="0"/>
+                            </p:stCondLst>
+                            <p:childTnLst>
+                              <p:par>
+                                <p:cTn id="15" presetID="10" presetClass="entr" presetSubtype="0" fill="hold" nodeType="clickEffect">
+                                  <p:stCondLst>
+                                    <p:cond delay="0"/>
+                                  </p:stCondLst>
+                                  <p:childTnLst>
+                                    <p:set>
+                                      <p:cBhvr>
+                                        <p:cTn id="16" dur="1" fill="hold">
+                                          <p:stCondLst>
+                                            <p:cond delay="0"/>
+                                          </p:stCondLst>
+                                        </p:cTn>
+                                        <p:tgtEl>
+                                          <p:spTgt spid="5">
+                                            <p:txEl>
+                                              <p:pRg st="1" end="1"/>
+                                            </p:txEl>
+                                          </p:spTgt>
+                                        </p:tgtEl>
+                                        <p:attrNameLst>
+                                          <p:attrName>style.visibility</p:attrName>
+                                        </p:attrNameLst>
+                                      </p:cBhvr>
+                                      <p:to>
+                                        <p:strVal val="visible"/>
+                                      </p:to>
+                                    </p:set>
+                                    <p:animEffect transition="in" filter="fade">
+                                      <p:cBhvr>
+                                        <p:cTn id="17" dur="500"/>
+                                        <p:tgtEl>
+                                          <p:spTgt spid="5">
+                                            <p:txEl>
+                                              <p:pRg st="1" end="1"/>
+                                            </p:txEl>
+                                          </p:spTgt>
+                                        </p:tgtEl>
+                                      </p:cBhvr>
+                                    </p:animEffect>
+                                  </p:childTnLst>
+                                </p:cTn>
+                              </p:par>
+                            </p:childTnLst>
+                          </p:cTn>
+                        </p:par>
+                      </p:childTnLst>
+                    </p:cTn>
+                  </p:par>
+                  <p:par>
+                    <p:cTn id="18" fill="hold">
+                      <p:stCondLst>
+                        <p:cond delay="indefinite"/>
+                      </p:stCondLst>
+                      <p:childTnLst>
+                        <p:par>
+                          <p:cTn id="19" fill="hold">
+                            <p:stCondLst>
+                              <p:cond delay="0"/>
+                            </p:stCondLst>
+                            <p:childTnLst>
+                              <p:par>
+                                <p:cTn id="20" presetID="10" presetClass="entr" presetSubtype="0" fill="hold" nodeType="clickEffect">
+                                  <p:stCondLst>
+                                    <p:cond delay="0"/>
+                                  </p:stCondLst>
+                                  <p:childTnLst>
+                                    <p:set>
+                                      <p:cBhvr>
+                                        <p:cTn id="21" dur="1" fill="hold">
+                                          <p:stCondLst>
+                                            <p:cond delay="0"/>
+                                          </p:stCondLst>
+                                        </p:cTn>
+                                        <p:tgtEl>
+                                          <p:spTgt spid="7">
+                                            <p:txEl>
+                                              <p:pRg st="1" end="1"/>
+                                            </p:txEl>
+                                          </p:spTgt>
+                                        </p:tgtEl>
+                                        <p:attrNameLst>
+                                          <p:attrName>style.visibility</p:attrName>
+                                        </p:attrNameLst>
+                                      </p:cBhvr>
+                                      <p:to>
+                                        <p:strVal val="visible"/>
+                                      </p:to>
+                                    </p:set>
+                                    <p:animEffect transition="in" filter="fade">
+                                      <p:cBhvr>
+                                        <p:cTn id="22" dur="500"/>
+                                        <p:tgtEl>
+                                          <p:spTgt spid="7">
+                                            <p:txEl>
+                                              <p:pRg st="1" end="1"/>
+                                            </p:txEl>
+                                          </p:spTgt>
+                                        </p:tgtEl>
+                                      </p:cBhvr>
+                                    </p:animEffect>
+                                  </p:childTnLst>
+                                </p:cTn>
+                              </p:par>
+                            </p:childTnLst>
+                          </p:cTn>
+                        </p:par>
+                      </p:childTnLst>
+                    </p:cTn>
+                  </p:par>
+                </p:childTnLst>
+              </p:cTn>
+              <p:prevCondLst>
+                <p:cond evt="onPrev" delay="0">
+                  <p:tgtEl>
+                    <p:sldTgt/>
+                  </p:tgtEl>
+                </p:cond>
+              </p:prevCondLst>
+              <p:nextCondLst>
+                <p:cond evt="onNext" delay="0">
+                  <p:tgtEl>
+                    <p:sldTgt/>
+                  </p:tgtEl>
+                </p:cond>
+              </p:nextCondLst>
+            </p:seq>
+          </p:childTnLst>
+        </p:cTn>
       </p:par>
     </p:tnLst>
   </p:timing>
@@ -11870,7 +12141,213 @@
       </p:grpSpPr>
       <p:sp>
         <p:nvSpPr>
-          <p:cNvPr id="7" name="Title 6"/>
+          <p:cNvPr id="7" name="Title 6">
+            <a:extLst>
+              <a:ext uri="{FF2B5EF4-FFF2-40B4-BE49-F238E27FC236}">
+                <a16:creationId xmlns:a16="http://schemas.microsoft.com/office/drawing/2014/main" id="{3BDB01D1-A915-4401-81C3-BD16ADF70381}"/>
+              </a:ext>
+            </a:extLst>
+          </p:cNvPr>
+          <p:cNvSpPr>
+            <a:spLocks noGrp="1"/>
+          </p:cNvSpPr>
+          <p:nvPr>
+            <p:ph type="title"/>
+          </p:nvPr>
+        </p:nvSpPr>
+        <p:spPr/>
+        <p:txBody>
+          <a:bodyPr>
+            <a:normAutofit fontScale="90000"/>
+          </a:bodyPr>
+          <a:lstStyle/>
+          <a:p>
+            <a:r>
+              <a:rPr lang="ru-RU" dirty="0"/>
+              <a:t>Сравнение Адаптера и Декоратора</a:t>
+            </a:r>
+          </a:p>
+        </p:txBody>
+      </p:sp>
+      <p:pic>
+        <p:nvPicPr>
+          <p:cNvPr id="10" name="Picture 9">
+            <a:extLst>
+              <a:ext uri="{FF2B5EF4-FFF2-40B4-BE49-F238E27FC236}">
+                <a16:creationId xmlns:a16="http://schemas.microsoft.com/office/drawing/2014/main" id="{2B35936D-4019-4429-BFB6-16CC6C507E18}"/>
+              </a:ext>
+            </a:extLst>
+          </p:cNvPr>
+          <p:cNvPicPr>
+            <a:picLocks noChangeAspect="1"/>
+          </p:cNvPicPr>
+          <p:nvPr/>
+        </p:nvPicPr>
+        <p:blipFill>
+          <a:blip r:embed="rId2">
+            <a:extLst>
+              <a:ext uri="{28A0092B-C50C-407E-A947-70E740481C1C}">
+                <a14:useLocalDpi xmlns:a14="http://schemas.microsoft.com/office/drawing/2010/main" val="0"/>
+              </a:ext>
+            </a:extLst>
+          </a:blip>
+          <a:stretch>
+            <a:fillRect/>
+          </a:stretch>
+        </p:blipFill>
+        <p:spPr>
+          <a:xfrm>
+            <a:off x="467544" y="1644799"/>
+            <a:ext cx="8378285" cy="5199615"/>
+          </a:xfrm>
+          <a:prstGeom prst="rect">
+            <a:avLst/>
+          </a:prstGeom>
+        </p:spPr>
+      </p:pic>
+    </p:spTree>
+    <p:extLst>
+      <p:ext uri="{BB962C8B-B14F-4D97-AF65-F5344CB8AC3E}">
+        <p14:creationId xmlns:p14="http://schemas.microsoft.com/office/powerpoint/2010/main" val="1451585781"/>
+      </p:ext>
+    </p:extLst>
+  </p:cSld>
+  <p:clrMapOvr>
+    <a:masterClrMapping/>
+  </p:clrMapOvr>
+</p:sld>
+</file>
+
+<file path=ppt/slides/slide27.xml><?xml version="1.0" encoding="utf-8"?>
+<p:sld xmlns:a="http://schemas.openxmlformats.org/drawingml/2006/main" xmlns:r="http://schemas.openxmlformats.org/officeDocument/2006/relationships" xmlns:p="http://schemas.openxmlformats.org/presentationml/2006/main">
+  <p:cSld>
+    <p:spTree>
+      <p:nvGrpSpPr>
+        <p:cNvPr id="1" name=""/>
+        <p:cNvGrpSpPr/>
+        <p:nvPr/>
+      </p:nvGrpSpPr>
+      <p:grpSpPr>
+        <a:xfrm>
+          <a:off x="0" y="0"/>
+          <a:ext cx="0" cy="0"/>
+          <a:chOff x="0" y="0"/>
+          <a:chExt cx="0" cy="0"/>
+        </a:xfrm>
+      </p:grpSpPr>
+      <p:sp>
+        <p:nvSpPr>
+          <p:cNvPr id="2" name="Title 1">
+            <a:extLst>
+              <a:ext uri="{FF2B5EF4-FFF2-40B4-BE49-F238E27FC236}">
+                <a16:creationId xmlns:a16="http://schemas.microsoft.com/office/drawing/2014/main" id="{83C755F5-016F-4376-A70A-19606E417729}"/>
+              </a:ext>
+            </a:extLst>
+          </p:cNvPr>
+          <p:cNvSpPr>
+            <a:spLocks noGrp="1"/>
+          </p:cNvSpPr>
+          <p:nvPr>
+            <p:ph type="title"/>
+          </p:nvPr>
+        </p:nvSpPr>
+        <p:spPr/>
+        <p:txBody>
+          <a:bodyPr>
+            <a:normAutofit fontScale="90000"/>
+          </a:bodyPr>
+          <a:lstStyle/>
+          <a:p>
+            <a:r>
+              <a:rPr lang="ru-RU" dirty="0"/>
+              <a:t>Пример, подключить клиента к одному из</a:t>
+            </a:r>
+            <a:r>
+              <a:rPr lang="en-US" dirty="0"/>
+              <a:t> Text to Speech </a:t>
+            </a:r>
+            <a:r>
+              <a:rPr lang="ru-RU" dirty="0"/>
+              <a:t>сервисов</a:t>
+            </a:r>
+          </a:p>
+        </p:txBody>
+      </p:sp>
+      <p:pic>
+        <p:nvPicPr>
+          <p:cNvPr id="4" name="Picture 3">
+            <a:extLst>
+              <a:ext uri="{FF2B5EF4-FFF2-40B4-BE49-F238E27FC236}">
+                <a16:creationId xmlns:a16="http://schemas.microsoft.com/office/drawing/2014/main" id="{46E42182-66EF-49D6-BFBE-E58E9E7904C2}"/>
+              </a:ext>
+            </a:extLst>
+          </p:cNvPr>
+          <p:cNvPicPr>
+            <a:picLocks noChangeAspect="1"/>
+          </p:cNvPicPr>
+          <p:nvPr/>
+        </p:nvPicPr>
+        <p:blipFill>
+          <a:blip r:embed="rId2" cstate="print">
+            <a:extLst>
+              <a:ext uri="{28A0092B-C50C-407E-A947-70E740481C1C}">
+                <a14:useLocalDpi xmlns:a14="http://schemas.microsoft.com/office/drawing/2010/main" val="0"/>
+              </a:ext>
+            </a:extLst>
+          </a:blip>
+          <a:stretch>
+            <a:fillRect/>
+          </a:stretch>
+        </p:blipFill>
+        <p:spPr>
+          <a:xfrm>
+            <a:off x="457200" y="2708920"/>
+            <a:ext cx="7884368" cy="2097676"/>
+          </a:xfrm>
+          <a:prstGeom prst="rect">
+            <a:avLst/>
+          </a:prstGeom>
+        </p:spPr>
+      </p:pic>
+    </p:spTree>
+    <p:extLst>
+      <p:ext uri="{BB962C8B-B14F-4D97-AF65-F5344CB8AC3E}">
+        <p14:creationId xmlns:p14="http://schemas.microsoft.com/office/powerpoint/2010/main" val="455308287"/>
+      </p:ext>
+    </p:extLst>
+  </p:cSld>
+  <p:clrMapOvr>
+    <a:masterClrMapping/>
+  </p:clrMapOvr>
+</p:sld>
+</file>
+
+<file path=ppt/slides/slide28.xml><?xml version="1.0" encoding="utf-8"?>
+<p:sld xmlns:a="http://schemas.openxmlformats.org/drawingml/2006/main" xmlns:r="http://schemas.openxmlformats.org/officeDocument/2006/relationships" xmlns:p="http://schemas.openxmlformats.org/presentationml/2006/main">
+  <p:cSld>
+    <p:spTree>
+      <p:nvGrpSpPr>
+        <p:cNvPr id="1" name=""/>
+        <p:cNvGrpSpPr/>
+        <p:nvPr/>
+      </p:nvGrpSpPr>
+      <p:grpSpPr>
+        <a:xfrm>
+          <a:off x="0" y="0"/>
+          <a:ext cx="0" cy="0"/>
+          <a:chOff x="0" y="0"/>
+          <a:chExt cx="0" cy="0"/>
+        </a:xfrm>
+      </p:grpSpPr>
+      <p:sp>
+        <p:nvSpPr>
+          <p:cNvPr id="2" name="Title 1">
+            <a:extLst>
+              <a:ext uri="{FF2B5EF4-FFF2-40B4-BE49-F238E27FC236}">
+                <a16:creationId xmlns:a16="http://schemas.microsoft.com/office/drawing/2014/main" id="{7ACD1210-223D-4B13-AA91-72D5F1DB66D2}"/>
+              </a:ext>
+            </a:extLst>
+          </p:cNvPr>
           <p:cNvSpPr>
             <a:spLocks noGrp="1"/>
           </p:cNvSpPr>
@@ -11884,53 +12361,162 @@
           <a:lstStyle/>
           <a:p>
             <a:r>
-              <a:rPr lang="ru-RU" dirty="0" smtClean="0"/>
-              <a:t>Спасибо </a:t>
-            </a:r>
-            <a:r>
-              <a:rPr lang="ru-RU" smtClean="0"/>
-              <a:t>за внимание</a:t>
-            </a:r>
-            <a:endParaRPr lang="ru-RU" dirty="0"/>
+              <a:rPr lang="ru-RU" dirty="0"/>
+              <a:t>Адаптер</a:t>
+            </a:r>
           </a:p>
         </p:txBody>
       </p:sp>
-      <p:sp>
-        <p:nvSpPr>
-          <p:cNvPr id="8" name="Text Placeholder 7"/>
-          <p:cNvSpPr>
-            <a:spLocks noGrp="1"/>
-          </p:cNvSpPr>
-          <p:nvPr>
-            <p:ph type="body" idx="1"/>
-          </p:nvPr>
-        </p:nvSpPr>
-        <p:spPr/>
-        <p:txBody>
-          <a:bodyPr/>
-          <a:lstStyle/>
-          <a:p>
-            <a:endParaRPr lang="ru-RU"/>
-          </a:p>
-        </p:txBody>
-      </p:sp>
+      <p:pic>
+        <p:nvPicPr>
+          <p:cNvPr id="4" name="Picture 3">
+            <a:extLst>
+              <a:ext uri="{FF2B5EF4-FFF2-40B4-BE49-F238E27FC236}">
+                <a16:creationId xmlns:a16="http://schemas.microsoft.com/office/drawing/2014/main" id="{DA96C40E-5FC2-45CA-9B5B-3B67044116C7}"/>
+              </a:ext>
+            </a:extLst>
+          </p:cNvPr>
+          <p:cNvPicPr>
+            <a:picLocks noChangeAspect="1"/>
+          </p:cNvPicPr>
+          <p:nvPr/>
+        </p:nvPicPr>
+        <p:blipFill>
+          <a:blip r:embed="rId2">
+            <a:extLst>
+              <a:ext uri="{28A0092B-C50C-407E-A947-70E740481C1C}">
+                <a14:useLocalDpi xmlns:a14="http://schemas.microsoft.com/office/drawing/2010/main" val="0"/>
+              </a:ext>
+            </a:extLst>
+          </a:blip>
+          <a:stretch>
+            <a:fillRect/>
+          </a:stretch>
+        </p:blipFill>
+        <p:spPr>
+          <a:xfrm>
+            <a:off x="179512" y="2060848"/>
+            <a:ext cx="8748464" cy="4547778"/>
+          </a:xfrm>
+          <a:prstGeom prst="rect">
+            <a:avLst/>
+          </a:prstGeom>
+        </p:spPr>
+      </p:pic>
     </p:spTree>
     <p:extLst>
       <p:ext uri="{BB962C8B-B14F-4D97-AF65-F5344CB8AC3E}">
-        <p14:creationId xmlns:p14="http://schemas.microsoft.com/office/powerpoint/2010/main" val="1151903260"/>
+        <p14:creationId xmlns:p14="http://schemas.microsoft.com/office/powerpoint/2010/main" val="969442158"/>
       </p:ext>
     </p:extLst>
   </p:cSld>
   <p:clrMapOvr>
     <a:masterClrMapping/>
   </p:clrMapOvr>
-  <p:timing>
-    <p:tnLst>
-      <p:par>
-        <p:cTn id="1" dur="indefinite" restart="never" nodeType="tmRoot"/>
-      </p:par>
-    </p:tnLst>
-  </p:timing>
+</p:sld>
+</file>
+
+<file path=ppt/slides/slide29.xml><?xml version="1.0" encoding="utf-8"?>
+<p:sld xmlns:a="http://schemas.openxmlformats.org/drawingml/2006/main" xmlns:r="http://schemas.openxmlformats.org/officeDocument/2006/relationships" xmlns:p="http://schemas.openxmlformats.org/presentationml/2006/main">
+  <p:cSld>
+    <p:spTree>
+      <p:nvGrpSpPr>
+        <p:cNvPr id="1" name=""/>
+        <p:cNvGrpSpPr/>
+        <p:nvPr/>
+      </p:nvGrpSpPr>
+      <p:grpSpPr>
+        <a:xfrm>
+          <a:off x="0" y="0"/>
+          <a:ext cx="0" cy="0"/>
+          <a:chOff x="0" y="0"/>
+          <a:chExt cx="0" cy="0"/>
+        </a:xfrm>
+      </p:grpSpPr>
+      <p:sp>
+        <p:nvSpPr>
+          <p:cNvPr id="2" name="Title 1">
+            <a:extLst>
+              <a:ext uri="{FF2B5EF4-FFF2-40B4-BE49-F238E27FC236}">
+                <a16:creationId xmlns:a16="http://schemas.microsoft.com/office/drawing/2014/main" id="{2286F035-D071-4681-ABD6-9A8B6A5CDD7E}"/>
+              </a:ext>
+            </a:extLst>
+          </p:cNvPr>
+          <p:cNvSpPr>
+            <a:spLocks noGrp="1"/>
+          </p:cNvSpPr>
+          <p:nvPr>
+            <p:ph type="title"/>
+          </p:nvPr>
+        </p:nvSpPr>
+        <p:spPr/>
+        <p:txBody>
+          <a:bodyPr>
+            <a:normAutofit fontScale="90000"/>
+          </a:bodyPr>
+          <a:lstStyle/>
+          <a:p>
+            <a:r>
+              <a:rPr lang="ru-RU" dirty="0"/>
+              <a:t>Работа с несколькими</a:t>
+            </a:r>
+            <a:r>
+              <a:rPr lang="en-US" dirty="0"/>
+              <a:t> TTS-</a:t>
+            </a:r>
+            <a:r>
+              <a:rPr lang="ru-RU" dirty="0"/>
+              <a:t>сервисами</a:t>
+            </a:r>
+          </a:p>
+        </p:txBody>
+      </p:sp>
+      <p:pic>
+        <p:nvPicPr>
+          <p:cNvPr id="6" name="Picture 5">
+            <a:extLst>
+              <a:ext uri="{FF2B5EF4-FFF2-40B4-BE49-F238E27FC236}">
+                <a16:creationId xmlns:a16="http://schemas.microsoft.com/office/drawing/2014/main" id="{8CD16D9F-4538-4935-891B-FB8A44CDAE5D}"/>
+              </a:ext>
+            </a:extLst>
+          </p:cNvPr>
+          <p:cNvPicPr>
+            <a:picLocks noChangeAspect="1"/>
+          </p:cNvPicPr>
+          <p:nvPr/>
+        </p:nvPicPr>
+        <p:blipFill>
+          <a:blip r:embed="rId2">
+            <a:extLst>
+              <a:ext uri="{28A0092B-C50C-407E-A947-70E740481C1C}">
+                <a14:useLocalDpi xmlns:a14="http://schemas.microsoft.com/office/drawing/2010/main" val="0"/>
+              </a:ext>
+            </a:extLst>
+          </a:blip>
+          <a:stretch>
+            <a:fillRect/>
+          </a:stretch>
+        </p:blipFill>
+        <p:spPr>
+          <a:xfrm>
+            <a:off x="89756" y="1628800"/>
+            <a:ext cx="8964488" cy="5159358"/>
+          </a:xfrm>
+          <a:prstGeom prst="rect">
+            <a:avLst/>
+          </a:prstGeom>
+        </p:spPr>
+      </p:pic>
+    </p:spTree>
+    <p:extLst>
+      <p:ext uri="{BB962C8B-B14F-4D97-AF65-F5344CB8AC3E}">
+        <p14:creationId xmlns:p14="http://schemas.microsoft.com/office/powerpoint/2010/main" val="2532212654"/>
+      </p:ext>
+    </p:extLst>
+  </p:cSld>
+  <p:clrMapOvr>
+    <a:masterClrMapping/>
+  </p:clrMapOvr>
 </p:sld>
 </file>
 
@@ -13127,13 +13713,82 @@
   <p:clrMapOvr>
     <a:masterClrMapping/>
   </p:clrMapOvr>
-  <p:timing>
-    <p:tnLst>
-      <p:par>
-        <p:cTn id="1" dur="indefinite" restart="never" nodeType="tmRoot"/>
-      </p:par>
-    </p:tnLst>
-  </p:timing>
+</p:sld>
+</file>
+
+<file path=ppt/slides/slide30.xml><?xml version="1.0" encoding="utf-8"?>
+<p:sld xmlns:a="http://schemas.openxmlformats.org/drawingml/2006/main" xmlns:r="http://schemas.openxmlformats.org/officeDocument/2006/relationships" xmlns:p="http://schemas.openxmlformats.org/presentationml/2006/main">
+  <p:cSld>
+    <p:spTree>
+      <p:nvGrpSpPr>
+        <p:cNvPr id="1" name=""/>
+        <p:cNvGrpSpPr/>
+        <p:nvPr/>
+      </p:nvGrpSpPr>
+      <p:grpSpPr>
+        <a:xfrm>
+          <a:off x="0" y="0"/>
+          <a:ext cx="0" cy="0"/>
+          <a:chOff x="0" y="0"/>
+          <a:chExt cx="0" cy="0"/>
+        </a:xfrm>
+      </p:grpSpPr>
+      <p:sp>
+        <p:nvSpPr>
+          <p:cNvPr id="7" name="Title 6"/>
+          <p:cNvSpPr>
+            <a:spLocks noGrp="1"/>
+          </p:cNvSpPr>
+          <p:nvPr>
+            <p:ph type="title"/>
+          </p:nvPr>
+        </p:nvSpPr>
+        <p:spPr/>
+        <p:txBody>
+          <a:bodyPr/>
+          <a:lstStyle/>
+          <a:p>
+            <a:r>
+              <a:rPr lang="ru-RU" dirty="0"/>
+              <a:t>Спасибо </a:t>
+            </a:r>
+            <a:r>
+              <a:rPr lang="ru-RU"/>
+              <a:t>за внимание</a:t>
+            </a:r>
+            <a:endParaRPr lang="ru-RU" dirty="0"/>
+          </a:p>
+        </p:txBody>
+      </p:sp>
+      <p:sp>
+        <p:nvSpPr>
+          <p:cNvPr id="8" name="Text Placeholder 7"/>
+          <p:cNvSpPr>
+            <a:spLocks noGrp="1"/>
+          </p:cNvSpPr>
+          <p:nvPr>
+            <p:ph type="body" idx="1"/>
+          </p:nvPr>
+        </p:nvSpPr>
+        <p:spPr/>
+        <p:txBody>
+          <a:bodyPr/>
+          <a:lstStyle/>
+          <a:p>
+            <a:endParaRPr lang="ru-RU"/>
+          </a:p>
+        </p:txBody>
+      </p:sp>
+    </p:spTree>
+    <p:extLst>
+      <p:ext uri="{BB962C8B-B14F-4D97-AF65-F5344CB8AC3E}">
+        <p14:creationId xmlns:p14="http://schemas.microsoft.com/office/powerpoint/2010/main" val="1151903260"/>
+      </p:ext>
+    </p:extLst>
+  </p:cSld>
+  <p:clrMapOvr>
+    <a:masterClrMapping/>
+  </p:clrMapOvr>
 </p:sld>
 </file>
 
@@ -14633,13 +15288,6 @@
   <p:clrMapOvr>
     <a:masterClrMapping/>
   </p:clrMapOvr>
-  <p:timing>
-    <p:tnLst>
-      <p:par>
-        <p:cTn id="1" dur="indefinite" restart="never" nodeType="tmRoot"/>
-      </p:par>
-    </p:tnLst>
-  </p:timing>
 </p:sld>
 </file>
 
